--- a/chipotlepolka.pptx
+++ b/chipotlepolka.pptx
@@ -260,7 +260,7 @@
           <a:p>
             <a:fld id="{98BB53E6-0350-E84E-8842-77C4F5A662AF}" type="datetimeFigureOut">
               <a:rPr lang="en-US" smtClean="0"/>
-              <a:t>5/4/22</a:t>
+              <a:t>5/5/22</a:t>
             </a:fld>
             <a:endParaRPr lang="en-US"/>
           </a:p>
@@ -458,7 +458,7 @@
           <a:p>
             <a:fld id="{98BB53E6-0350-E84E-8842-77C4F5A662AF}" type="datetimeFigureOut">
               <a:rPr lang="en-US" smtClean="0"/>
-              <a:t>5/4/22</a:t>
+              <a:t>5/5/22</a:t>
             </a:fld>
             <a:endParaRPr lang="en-US"/>
           </a:p>
@@ -666,7 +666,7 @@
           <a:p>
             <a:fld id="{98BB53E6-0350-E84E-8842-77C4F5A662AF}" type="datetimeFigureOut">
               <a:rPr lang="en-US" smtClean="0"/>
-              <a:t>5/4/22</a:t>
+              <a:t>5/5/22</a:t>
             </a:fld>
             <a:endParaRPr lang="en-US"/>
           </a:p>
@@ -864,7 +864,7 @@
           <a:p>
             <a:fld id="{98BB53E6-0350-E84E-8842-77C4F5A662AF}" type="datetimeFigureOut">
               <a:rPr lang="en-US" smtClean="0"/>
-              <a:t>5/4/22</a:t>
+              <a:t>5/5/22</a:t>
             </a:fld>
             <a:endParaRPr lang="en-US"/>
           </a:p>
@@ -1139,7 +1139,7 @@
           <a:p>
             <a:fld id="{98BB53E6-0350-E84E-8842-77C4F5A662AF}" type="datetimeFigureOut">
               <a:rPr lang="en-US" smtClean="0"/>
-              <a:t>5/4/22</a:t>
+              <a:t>5/5/22</a:t>
             </a:fld>
             <a:endParaRPr lang="en-US"/>
           </a:p>
@@ -1404,7 +1404,7 @@
           <a:p>
             <a:fld id="{98BB53E6-0350-E84E-8842-77C4F5A662AF}" type="datetimeFigureOut">
               <a:rPr lang="en-US" smtClean="0"/>
-              <a:t>5/4/22</a:t>
+              <a:t>5/5/22</a:t>
             </a:fld>
             <a:endParaRPr lang="en-US"/>
           </a:p>
@@ -1816,7 +1816,7 @@
           <a:p>
             <a:fld id="{98BB53E6-0350-E84E-8842-77C4F5A662AF}" type="datetimeFigureOut">
               <a:rPr lang="en-US" smtClean="0"/>
-              <a:t>5/4/22</a:t>
+              <a:t>5/5/22</a:t>
             </a:fld>
             <a:endParaRPr lang="en-US"/>
           </a:p>
@@ -1957,7 +1957,7 @@
           <a:p>
             <a:fld id="{98BB53E6-0350-E84E-8842-77C4F5A662AF}" type="datetimeFigureOut">
               <a:rPr lang="en-US" smtClean="0"/>
-              <a:t>5/4/22</a:t>
+              <a:t>5/5/22</a:t>
             </a:fld>
             <a:endParaRPr lang="en-US"/>
           </a:p>
@@ -2070,7 +2070,7 @@
           <a:p>
             <a:fld id="{98BB53E6-0350-E84E-8842-77C4F5A662AF}" type="datetimeFigureOut">
               <a:rPr lang="en-US" smtClean="0"/>
-              <a:t>5/4/22</a:t>
+              <a:t>5/5/22</a:t>
             </a:fld>
             <a:endParaRPr lang="en-US"/>
           </a:p>
@@ -2381,7 +2381,7 @@
           <a:p>
             <a:fld id="{98BB53E6-0350-E84E-8842-77C4F5A662AF}" type="datetimeFigureOut">
               <a:rPr lang="en-US" smtClean="0"/>
-              <a:t>5/4/22</a:t>
+              <a:t>5/5/22</a:t>
             </a:fld>
             <a:endParaRPr lang="en-US"/>
           </a:p>
@@ -2669,7 +2669,7 @@
           <a:p>
             <a:fld id="{98BB53E6-0350-E84E-8842-77C4F5A662AF}" type="datetimeFigureOut">
               <a:rPr lang="en-US" smtClean="0"/>
-              <a:t>5/4/22</a:t>
+              <a:t>5/5/22</a:t>
             </a:fld>
             <a:endParaRPr lang="en-US"/>
           </a:p>
@@ -2910,7 +2910,7 @@
           <a:p>
             <a:fld id="{98BB53E6-0350-E84E-8842-77C4F5A662AF}" type="datetimeFigureOut">
               <a:rPr lang="en-US" smtClean="0"/>
-              <a:t>5/4/22</a:t>
+              <a:t>5/5/22</a:t>
             </a:fld>
             <a:endParaRPr lang="en-US"/>
           </a:p>
@@ -3654,10 +3654,10 @@
       </p:grpSp>
       <p:grpSp>
         <p:nvGrpSpPr>
-          <p:cNvPr id="72" name="Group 71">
-            <a:extLst>
-              <a:ext uri="{FF2B5EF4-FFF2-40B4-BE49-F238E27FC236}">
-                <a16:creationId xmlns:a16="http://schemas.microsoft.com/office/drawing/2014/main" id="{F001C229-9E6B-1442-A11A-14F9353596E5}"/>
+          <p:cNvPr id="33" name="Group 32">
+            <a:extLst>
+              <a:ext uri="{FF2B5EF4-FFF2-40B4-BE49-F238E27FC236}">
+                <a16:creationId xmlns:a16="http://schemas.microsoft.com/office/drawing/2014/main" id="{26E3D6CA-F6C7-384E-91FB-B366B10883A1}"/>
               </a:ext>
             </a:extLst>
           </p:cNvPr>
@@ -3666,351 +3666,18 @@
         </p:nvGrpSpPr>
         <p:grpSpPr>
           <a:xfrm>
-            <a:off x="524187" y="512290"/>
-            <a:ext cx="6357493" cy="4986922"/>
-            <a:chOff x="524187" y="512290"/>
-            <a:chExt cx="6357493" cy="4986922"/>
+            <a:off x="855023" y="427512"/>
+            <a:ext cx="6465084" cy="5593278"/>
+            <a:chOff x="855023" y="427512"/>
+            <a:chExt cx="6465084" cy="5593278"/>
           </a:xfrm>
         </p:grpSpPr>
-        <p:grpSp>
-          <p:nvGrpSpPr>
-            <p:cNvPr id="48" name="Group 47">
+        <p:sp>
+          <p:nvSpPr>
+            <p:cNvPr id="31" name="Rectangle 30">
               <a:extLst>
                 <a:ext uri="{FF2B5EF4-FFF2-40B4-BE49-F238E27FC236}">
-                  <a16:creationId xmlns:a16="http://schemas.microsoft.com/office/drawing/2014/main" id="{46AFC1F6-A140-6E4C-9AD6-10E9B60C3ACA}"/>
-                </a:ext>
-              </a:extLst>
-            </p:cNvPr>
-            <p:cNvGrpSpPr/>
-            <p:nvPr/>
-          </p:nvGrpSpPr>
-          <p:grpSpPr>
-            <a:xfrm>
-              <a:off x="5097534" y="1493818"/>
-              <a:ext cx="1784146" cy="1773936"/>
-              <a:chOff x="2391315" y="2467564"/>
-              <a:chExt cx="1784146" cy="1773803"/>
-            </a:xfrm>
-          </p:grpSpPr>
-          <p:pic>
-            <p:nvPicPr>
-              <p:cNvPr id="50" name="Picture 2" descr="Big data - Free technology icons">
-                <a:extLst>
-                  <a:ext uri="{FF2B5EF4-FFF2-40B4-BE49-F238E27FC236}">
-                    <a16:creationId xmlns:a16="http://schemas.microsoft.com/office/drawing/2014/main" id="{A8F887E8-5C85-4146-8B31-F54A8DFDAF3B}"/>
-                  </a:ext>
-                </a:extLst>
-              </p:cNvPr>
-              <p:cNvPicPr>
-                <a:picLocks noChangeAspect="1" noChangeArrowheads="1"/>
-              </p:cNvPicPr>
-              <p:nvPr/>
-            </p:nvPicPr>
-            <p:blipFill rotWithShape="1">
-              <a:blip r:embed="rId2">
-                <a:extLst>
-                  <a:ext uri="{28A0092B-C50C-407E-A947-70E740481C1C}">
-                    <a14:useLocalDpi xmlns:a14="http://schemas.microsoft.com/office/drawing/2010/main" val="0"/>
-                  </a:ext>
-                </a:extLst>
-              </a:blip>
-              <a:srcRect l="58536" t="-695" r="-232" b="59203"/>
-              <a:stretch/>
-            </p:blipFill>
-            <p:spPr bwMode="auto">
-              <a:xfrm>
-                <a:off x="2450690" y="2467564"/>
-                <a:ext cx="1724771" cy="1716302"/>
-              </a:xfrm>
-              <a:prstGeom prst="rect">
-                <a:avLst/>
-              </a:prstGeom>
-              <a:solidFill>
-                <a:srgbClr val="FFFFFF"/>
-              </a:solidFill>
-            </p:spPr>
-          </p:pic>
-          <p:sp>
-            <p:nvSpPr>
-              <p:cNvPr id="51" name="Rectangle 50">
-                <a:extLst>
-                  <a:ext uri="{FF2B5EF4-FFF2-40B4-BE49-F238E27FC236}">
-                    <a16:creationId xmlns:a16="http://schemas.microsoft.com/office/drawing/2014/main" id="{DA044379-8646-514E-B293-339E66A33D4C}"/>
-                  </a:ext>
-                </a:extLst>
-              </p:cNvPr>
-              <p:cNvSpPr/>
-              <p:nvPr/>
-            </p:nvSpPr>
-            <p:spPr>
-              <a:xfrm>
-                <a:off x="2391315" y="3973859"/>
-                <a:ext cx="318240" cy="162505"/>
-              </a:xfrm>
-              <a:prstGeom prst="rect">
-                <a:avLst/>
-              </a:prstGeom>
-              <a:solidFill>
-                <a:schemeClr val="bg1"/>
-              </a:solidFill>
-              <a:ln>
-                <a:noFill/>
-              </a:ln>
-            </p:spPr>
-            <p:style>
-              <a:lnRef idx="2">
-                <a:schemeClr val="accent1">
-                  <a:shade val="50000"/>
-                </a:schemeClr>
-              </a:lnRef>
-              <a:fillRef idx="1">
-                <a:schemeClr val="accent1"/>
-              </a:fillRef>
-              <a:effectRef idx="0">
-                <a:schemeClr val="accent1"/>
-              </a:effectRef>
-              <a:fontRef idx="minor">
-                <a:schemeClr val="lt1"/>
-              </a:fontRef>
-            </p:style>
-            <p:txBody>
-              <a:bodyPr rtlCol="0" anchor="ctr"/>
-              <a:lstStyle/>
-              <a:p>
-                <a:pPr algn="ctr"/>
-                <a:endParaRPr lang="en-US"/>
-              </a:p>
-            </p:txBody>
-          </p:sp>
-          <p:sp>
-            <p:nvSpPr>
-              <p:cNvPr id="53" name="Rectangle 52">
-                <a:extLst>
-                  <a:ext uri="{FF2B5EF4-FFF2-40B4-BE49-F238E27FC236}">
-                    <a16:creationId xmlns:a16="http://schemas.microsoft.com/office/drawing/2014/main" id="{A9B9D65D-15DA-ED40-B192-4249AC70B374}"/>
-                  </a:ext>
-                </a:extLst>
-              </p:cNvPr>
-              <p:cNvSpPr/>
-              <p:nvPr/>
-            </p:nvSpPr>
-            <p:spPr>
-              <a:xfrm>
-                <a:off x="3499517" y="4078863"/>
-                <a:ext cx="318240" cy="162504"/>
-              </a:xfrm>
-              <a:prstGeom prst="rect">
-                <a:avLst/>
-              </a:prstGeom>
-              <a:solidFill>
-                <a:schemeClr val="bg1"/>
-              </a:solidFill>
-              <a:ln>
-                <a:noFill/>
-              </a:ln>
-            </p:spPr>
-            <p:style>
-              <a:lnRef idx="2">
-                <a:schemeClr val="accent1">
-                  <a:shade val="50000"/>
-                </a:schemeClr>
-              </a:lnRef>
-              <a:fillRef idx="1">
-                <a:schemeClr val="accent1"/>
-              </a:fillRef>
-              <a:effectRef idx="0">
-                <a:schemeClr val="accent1"/>
-              </a:effectRef>
-              <a:fontRef idx="minor">
-                <a:schemeClr val="lt1"/>
-              </a:fontRef>
-            </p:style>
-            <p:txBody>
-              <a:bodyPr rtlCol="0" anchor="ctr"/>
-              <a:lstStyle/>
-              <a:p>
-                <a:pPr algn="ctr"/>
-                <a:endParaRPr lang="en-US"/>
-              </a:p>
-            </p:txBody>
-          </p:sp>
-        </p:grpSp>
-        <p:grpSp>
-          <p:nvGrpSpPr>
-            <p:cNvPr id="13" name="Group 12">
-              <a:extLst>
-                <a:ext uri="{FF2B5EF4-FFF2-40B4-BE49-F238E27FC236}">
-                  <a16:creationId xmlns:a16="http://schemas.microsoft.com/office/drawing/2014/main" id="{28AB0E9B-D660-9843-B92C-53332EC8EC22}"/>
-                </a:ext>
-              </a:extLst>
-            </p:cNvPr>
-            <p:cNvGrpSpPr/>
-            <p:nvPr/>
-          </p:nvGrpSpPr>
-          <p:grpSpPr>
-            <a:xfrm>
-              <a:off x="4513912" y="2718039"/>
-              <a:ext cx="1784146" cy="1773936"/>
-              <a:chOff x="2391315" y="2467564"/>
-              <a:chExt cx="1784146" cy="1773803"/>
-            </a:xfrm>
-          </p:grpSpPr>
-          <p:pic>
-            <p:nvPicPr>
-              <p:cNvPr id="12" name="Picture 2" descr="Big data - Free technology icons">
-                <a:extLst>
-                  <a:ext uri="{FF2B5EF4-FFF2-40B4-BE49-F238E27FC236}">
-                    <a16:creationId xmlns:a16="http://schemas.microsoft.com/office/drawing/2014/main" id="{3BB646C9-6C41-1245-9035-730285F08AA8}"/>
-                  </a:ext>
-                </a:extLst>
-              </p:cNvPr>
-              <p:cNvPicPr>
-                <a:picLocks noChangeAspect="1" noChangeArrowheads="1"/>
-              </p:cNvPicPr>
-              <p:nvPr/>
-            </p:nvPicPr>
-            <p:blipFill rotWithShape="1">
-              <a:blip r:embed="rId2">
-                <a:extLst>
-                  <a:ext uri="{28A0092B-C50C-407E-A947-70E740481C1C}">
-                    <a14:useLocalDpi xmlns:a14="http://schemas.microsoft.com/office/drawing/2010/main" val="0"/>
-                  </a:ext>
-                </a:extLst>
-              </a:blip>
-              <a:srcRect l="58536" t="-695" r="-232" b="59203"/>
-              <a:stretch/>
-            </p:blipFill>
-            <p:spPr bwMode="auto">
-              <a:xfrm>
-                <a:off x="2450690" y="2467564"/>
-                <a:ext cx="1724771" cy="1716302"/>
-              </a:xfrm>
-              <a:prstGeom prst="rect">
-                <a:avLst/>
-              </a:prstGeom>
-              <a:noFill/>
-              <a:extLst>
-                <a:ext uri="{909E8E84-426E-40DD-AFC4-6F175D3DCCD1}">
-                  <a14:hiddenFill xmlns:a14="http://schemas.microsoft.com/office/drawing/2010/main">
-                    <a:solidFill>
-                      <a:srgbClr val="FFFFFF"/>
-                    </a:solidFill>
-                  </a14:hiddenFill>
-                </a:ext>
-              </a:extLst>
-            </p:spPr>
-          </p:pic>
-          <p:sp>
-            <p:nvSpPr>
-              <p:cNvPr id="11" name="Rectangle 10">
-                <a:extLst>
-                  <a:ext uri="{FF2B5EF4-FFF2-40B4-BE49-F238E27FC236}">
-                    <a16:creationId xmlns:a16="http://schemas.microsoft.com/office/drawing/2014/main" id="{8D0B84BC-87E6-B74D-8C22-1C744F8B20A8}"/>
-                  </a:ext>
-                </a:extLst>
-              </p:cNvPr>
-              <p:cNvSpPr/>
-              <p:nvPr/>
-            </p:nvSpPr>
-            <p:spPr>
-              <a:xfrm>
-                <a:off x="2391315" y="3973859"/>
-                <a:ext cx="318240" cy="162505"/>
-              </a:xfrm>
-              <a:prstGeom prst="rect">
-                <a:avLst/>
-              </a:prstGeom>
-              <a:solidFill>
-                <a:schemeClr val="bg1"/>
-              </a:solidFill>
-              <a:ln>
-                <a:noFill/>
-              </a:ln>
-            </p:spPr>
-            <p:style>
-              <a:lnRef idx="2">
-                <a:schemeClr val="accent1">
-                  <a:shade val="50000"/>
-                </a:schemeClr>
-              </a:lnRef>
-              <a:fillRef idx="1">
-                <a:schemeClr val="accent1"/>
-              </a:fillRef>
-              <a:effectRef idx="0">
-                <a:schemeClr val="accent1"/>
-              </a:effectRef>
-              <a:fontRef idx="minor">
-                <a:schemeClr val="lt1"/>
-              </a:fontRef>
-            </p:style>
-            <p:txBody>
-              <a:bodyPr rtlCol="0" anchor="ctr"/>
-              <a:lstStyle/>
-              <a:p>
-                <a:pPr algn="ctr"/>
-                <a:endParaRPr lang="en-US"/>
-              </a:p>
-            </p:txBody>
-          </p:sp>
-          <p:sp>
-            <p:nvSpPr>
-              <p:cNvPr id="14" name="Rectangle 13">
-                <a:extLst>
-                  <a:ext uri="{FF2B5EF4-FFF2-40B4-BE49-F238E27FC236}">
-                    <a16:creationId xmlns:a16="http://schemas.microsoft.com/office/drawing/2014/main" id="{04D4A635-B146-9B4A-8A71-320CB3542A9E}"/>
-                  </a:ext>
-                </a:extLst>
-              </p:cNvPr>
-              <p:cNvSpPr/>
-              <p:nvPr/>
-            </p:nvSpPr>
-            <p:spPr>
-              <a:xfrm>
-                <a:off x="3499517" y="4078863"/>
-                <a:ext cx="318240" cy="162504"/>
-              </a:xfrm>
-              <a:prstGeom prst="rect">
-                <a:avLst/>
-              </a:prstGeom>
-              <a:solidFill>
-                <a:schemeClr val="bg1"/>
-              </a:solidFill>
-              <a:ln>
-                <a:noFill/>
-              </a:ln>
-            </p:spPr>
-            <p:style>
-              <a:lnRef idx="2">
-                <a:schemeClr val="accent1">
-                  <a:shade val="50000"/>
-                </a:schemeClr>
-              </a:lnRef>
-              <a:fillRef idx="1">
-                <a:schemeClr val="accent1"/>
-              </a:fillRef>
-              <a:effectRef idx="0">
-                <a:schemeClr val="accent1"/>
-              </a:effectRef>
-              <a:fontRef idx="minor">
-                <a:schemeClr val="lt1"/>
-              </a:fontRef>
-            </p:style>
-            <p:txBody>
-              <a:bodyPr rtlCol="0" anchor="ctr"/>
-              <a:lstStyle/>
-              <a:p>
-                <a:pPr algn="ctr"/>
-                <a:endParaRPr lang="en-US"/>
-              </a:p>
-            </p:txBody>
-          </p:sp>
-        </p:grpSp>
-        <p:sp>
-          <p:nvSpPr>
-            <p:cNvPr id="18" name="Rounded Rectangle 17">
-              <a:extLst>
-                <a:ext uri="{FF2B5EF4-FFF2-40B4-BE49-F238E27FC236}">
-                  <a16:creationId xmlns:a16="http://schemas.microsoft.com/office/drawing/2014/main" id="{A7954779-B189-9541-9B54-D77B724A1F3A}"/>
+                  <a16:creationId xmlns:a16="http://schemas.microsoft.com/office/drawing/2014/main" id="{74E10D1B-D988-7740-B787-7A23F15D0223}"/>
                 </a:ext>
               </a:extLst>
             </p:cNvPr>
@@ -4019,189 +3686,17 @@
           </p:nvSpPr>
           <p:spPr>
             <a:xfrm>
-              <a:off x="2634507" y="4015528"/>
-              <a:ext cx="1822730" cy="322491"/>
-            </a:xfrm>
-            <a:prstGeom prst="roundRect">
-              <a:avLst>
-                <a:gd name="adj" fmla="val 50000"/>
-              </a:avLst>
-            </a:prstGeom>
-            <a:solidFill>
-              <a:schemeClr val="bg1">
-                <a:lumMod val="95000"/>
-              </a:schemeClr>
-            </a:solidFill>
-            <a:ln w="47625">
-              <a:solidFill>
-                <a:schemeClr val="tx1"/>
-              </a:solidFill>
-            </a:ln>
-          </p:spPr>
-          <p:style>
-            <a:lnRef idx="2">
-              <a:schemeClr val="accent1">
-                <a:shade val="50000"/>
-              </a:schemeClr>
-            </a:lnRef>
-            <a:fillRef idx="1">
-              <a:schemeClr val="accent1"/>
-            </a:fillRef>
-            <a:effectRef idx="0">
-              <a:schemeClr val="accent1"/>
-            </a:effectRef>
-            <a:fontRef idx="minor">
-              <a:schemeClr val="lt1"/>
-            </a:fontRef>
-          </p:style>
-          <p:txBody>
-            <a:bodyPr rtlCol="0" anchor="ctr"/>
-            <a:lstStyle/>
-            <a:p>
-              <a:pPr algn="ctr"/>
-              <a:endParaRPr lang="en-US"/>
-            </a:p>
-          </p:txBody>
-        </p:sp>
-        <p:sp>
-          <p:nvSpPr>
-            <p:cNvPr id="15" name="Rounded Rectangle 14">
-              <a:extLst>
-                <a:ext uri="{FF2B5EF4-FFF2-40B4-BE49-F238E27FC236}">
-                  <a16:creationId xmlns:a16="http://schemas.microsoft.com/office/drawing/2014/main" id="{E3909D96-050C-9A48-8D4E-1764BC240E14}"/>
-                </a:ext>
-              </a:extLst>
-            </p:cNvPr>
-            <p:cNvSpPr/>
-            <p:nvPr/>
-          </p:nvSpPr>
-          <p:spPr>
-            <a:xfrm>
-              <a:off x="1455813" y="1027631"/>
-              <a:ext cx="4078333" cy="2401369"/>
-            </a:xfrm>
-            <a:prstGeom prst="roundRect">
-              <a:avLst/>
-            </a:prstGeom>
-            <a:solidFill>
-              <a:schemeClr val="bg1">
-                <a:lumMod val="95000"/>
-              </a:schemeClr>
-            </a:solidFill>
-            <a:ln w="47625">
-              <a:solidFill>
-                <a:schemeClr val="tx1"/>
-              </a:solidFill>
-            </a:ln>
-          </p:spPr>
-          <p:style>
-            <a:lnRef idx="2">
-              <a:schemeClr val="accent1">
-                <a:shade val="50000"/>
-              </a:schemeClr>
-            </a:lnRef>
-            <a:fillRef idx="1">
-              <a:schemeClr val="accent1"/>
-            </a:fillRef>
-            <a:effectRef idx="0">
-              <a:schemeClr val="accent1"/>
-            </a:effectRef>
-            <a:fontRef idx="minor">
-              <a:schemeClr val="lt1"/>
-            </a:fontRef>
-          </p:style>
-          <p:txBody>
-            <a:bodyPr rtlCol="0" anchor="ctr"/>
-            <a:lstStyle/>
-            <a:p>
-              <a:pPr algn="ctr"/>
-              <a:endParaRPr lang="en-US"/>
-            </a:p>
-          </p:txBody>
-        </p:sp>
-        <p:sp>
-          <p:nvSpPr>
-            <p:cNvPr id="16" name="Rectangle 15">
-              <a:extLst>
-                <a:ext uri="{FF2B5EF4-FFF2-40B4-BE49-F238E27FC236}">
-                  <a16:creationId xmlns:a16="http://schemas.microsoft.com/office/drawing/2014/main" id="{831B6994-05AE-D740-AED2-C93AC0CC19BF}"/>
-                </a:ext>
-              </a:extLst>
-            </p:cNvPr>
-            <p:cNvSpPr/>
-            <p:nvPr/>
-          </p:nvSpPr>
-          <p:spPr>
-            <a:xfrm>
-              <a:off x="1747601" y="1249392"/>
-              <a:ext cx="3484566" cy="1857116"/>
+              <a:off x="855023" y="427512"/>
+              <a:ext cx="6465084" cy="5593278"/>
             </a:xfrm>
             <a:prstGeom prst="rect">
               <a:avLst/>
             </a:prstGeom>
             <a:solidFill>
-              <a:srgbClr val="77B0CD"/>
+              <a:schemeClr val="bg1"/>
             </a:solidFill>
-            <a:ln w="47625">
-              <a:solidFill>
-                <a:schemeClr val="tx1"/>
-              </a:solidFill>
-            </a:ln>
-          </p:spPr>
-          <p:style>
-            <a:lnRef idx="2">
-              <a:schemeClr val="accent1">
-                <a:shade val="50000"/>
-              </a:schemeClr>
-            </a:lnRef>
-            <a:fillRef idx="1">
-              <a:schemeClr val="accent1"/>
-            </a:fillRef>
-            <a:effectRef idx="0">
-              <a:schemeClr val="accent1"/>
-            </a:effectRef>
-            <a:fontRef idx="minor">
-              <a:schemeClr val="lt1"/>
-            </a:fontRef>
-          </p:style>
-          <p:txBody>
-            <a:bodyPr rtlCol="0" anchor="ctr"/>
-            <a:lstStyle/>
-            <a:p>
-              <a:pPr algn="ctr"/>
-              <a:endParaRPr lang="en-US"/>
-            </a:p>
-          </p:txBody>
-        </p:sp>
-        <p:sp>
-          <p:nvSpPr>
-            <p:cNvPr id="21" name="Rectangle 20">
-              <a:extLst>
-                <a:ext uri="{FF2B5EF4-FFF2-40B4-BE49-F238E27FC236}">
-                  <a16:creationId xmlns:a16="http://schemas.microsoft.com/office/drawing/2014/main" id="{E4E233A8-2892-D249-BADE-3E2950316201}"/>
-                </a:ext>
-              </a:extLst>
-            </p:cNvPr>
-            <p:cNvSpPr/>
-            <p:nvPr/>
-          </p:nvSpPr>
-          <p:spPr>
-            <a:xfrm>
-              <a:off x="3128295" y="3428999"/>
-              <a:ext cx="835153" cy="586529"/>
-            </a:xfrm>
-            <a:prstGeom prst="rect">
-              <a:avLst/>
-            </a:prstGeom>
-            <a:solidFill>
-              <a:schemeClr val="bg1">
-                <a:lumMod val="95000"/>
-              </a:schemeClr>
-            </a:solidFill>
-            <a:ln w="47625">
-              <a:solidFill>
-                <a:schemeClr val="tx1"/>
-              </a:solidFill>
+            <a:ln>
+              <a:noFill/>
             </a:ln>
           </p:spPr>
           <p:style>
@@ -4231,10 +3726,10 @@
         </p:sp>
         <p:grpSp>
           <p:nvGrpSpPr>
-            <p:cNvPr id="49" name="Group 48">
+            <p:cNvPr id="20" name="Group 19">
               <a:extLst>
                 <a:ext uri="{FF2B5EF4-FFF2-40B4-BE49-F238E27FC236}">
-                  <a16:creationId xmlns:a16="http://schemas.microsoft.com/office/drawing/2014/main" id="{E3427E0A-40F1-184C-BF6E-BDED545A346C}"/>
+                  <a16:creationId xmlns:a16="http://schemas.microsoft.com/office/drawing/2014/main" id="{5BEA874A-FC4B-C74E-90A8-470E42838671}"/>
                 </a:ext>
               </a:extLst>
             </p:cNvPr>
@@ -4243,297 +3738,351 @@
           </p:nvGrpSpPr>
           <p:grpSpPr>
             <a:xfrm>
-              <a:off x="2054279" y="1838995"/>
-              <a:ext cx="2609662" cy="933513"/>
-              <a:chOff x="6632748" y="4921022"/>
-              <a:chExt cx="2609662" cy="933513"/>
+              <a:off x="962614" y="630527"/>
+              <a:ext cx="6357493" cy="5296196"/>
+              <a:chOff x="524187" y="203016"/>
+              <a:chExt cx="6357493" cy="5296196"/>
             </a:xfrm>
           </p:grpSpPr>
-          <p:cxnSp>
-            <p:nvCxnSpPr>
-              <p:cNvPr id="30" name="Straight Connector 29">
+          <p:grpSp>
+            <p:nvGrpSpPr>
+              <p:cNvPr id="48" name="Group 47">
                 <a:extLst>
                   <a:ext uri="{FF2B5EF4-FFF2-40B4-BE49-F238E27FC236}">
-                    <a16:creationId xmlns:a16="http://schemas.microsoft.com/office/drawing/2014/main" id="{92089B16-1707-FE48-91B8-CA628EFAB0F9}"/>
+                    <a16:creationId xmlns:a16="http://schemas.microsoft.com/office/drawing/2014/main" id="{46AFC1F6-A140-6E4C-9AD6-10E9B60C3ACA}"/>
                   </a:ext>
                 </a:extLst>
               </p:cNvPr>
-              <p:cNvCxnSpPr>
-                <a:cxnSpLocks/>
-              </p:cNvCxnSpPr>
+              <p:cNvGrpSpPr/>
               <p:nvPr/>
-            </p:nvCxnSpPr>
-            <p:spPr>
-              <a:xfrm flipV="1">
-                <a:off x="6632748" y="5096385"/>
-                <a:ext cx="653143" cy="510639"/>
+            </p:nvGrpSpPr>
+            <p:grpSpPr>
+              <a:xfrm>
+                <a:off x="5097534" y="1493818"/>
+                <a:ext cx="1784146" cy="1773936"/>
+                <a:chOff x="2391315" y="2467564"/>
+                <a:chExt cx="1784146" cy="1773803"/>
               </a:xfrm>
-              <a:prstGeom prst="line">
-                <a:avLst/>
-              </a:prstGeom>
-              <a:ln w="41275">
+            </p:grpSpPr>
+            <p:pic>
+              <p:nvPicPr>
+                <p:cNvPr id="50" name="Picture 2" descr="Big data - Free technology icons">
+                  <a:extLst>
+                    <a:ext uri="{FF2B5EF4-FFF2-40B4-BE49-F238E27FC236}">
+                      <a16:creationId xmlns:a16="http://schemas.microsoft.com/office/drawing/2014/main" id="{A8F887E8-5C85-4146-8B31-F54A8DFDAF3B}"/>
+                    </a:ext>
+                  </a:extLst>
+                </p:cNvPr>
+                <p:cNvPicPr>
+                  <a:picLocks noChangeAspect="1" noChangeArrowheads="1"/>
+                </p:cNvPicPr>
+                <p:nvPr/>
+              </p:nvPicPr>
+              <p:blipFill rotWithShape="1">
+                <a:blip r:embed="rId2">
+                  <a:extLst>
+                    <a:ext uri="{28A0092B-C50C-407E-A947-70E740481C1C}">
+                      <a14:useLocalDpi xmlns:a14="http://schemas.microsoft.com/office/drawing/2010/main" val="0"/>
+                    </a:ext>
+                  </a:extLst>
+                </a:blip>
+                <a:srcRect l="58536" t="-695" r="-232" b="59203"/>
+                <a:stretch/>
+              </p:blipFill>
+              <p:spPr bwMode="auto">
+                <a:xfrm>
+                  <a:off x="2450690" y="2467564"/>
+                  <a:ext cx="1724771" cy="1716302"/>
+                </a:xfrm>
+                <a:prstGeom prst="rect">
+                  <a:avLst/>
+                </a:prstGeom>
                 <a:solidFill>
-                  <a:srgbClr val="92D050"/>
+                  <a:srgbClr val="FFFFFF"/>
                 </a:solidFill>
-              </a:ln>
-            </p:spPr>
-            <p:style>
-              <a:lnRef idx="1">
-                <a:schemeClr val="accent1"/>
-              </a:lnRef>
-              <a:fillRef idx="0">
-                <a:schemeClr val="accent1"/>
-              </a:fillRef>
-              <a:effectRef idx="0">
-                <a:schemeClr val="accent1"/>
-              </a:effectRef>
-              <a:fontRef idx="minor">
-                <a:schemeClr val="tx1"/>
-              </a:fontRef>
-            </p:style>
-          </p:cxnSp>
-          <p:cxnSp>
-            <p:nvCxnSpPr>
-              <p:cNvPr id="32" name="Straight Connector 31">
+              </p:spPr>
+            </p:pic>
+            <p:sp>
+              <p:nvSpPr>
+                <p:cNvPr id="51" name="Rectangle 50">
+                  <a:extLst>
+                    <a:ext uri="{FF2B5EF4-FFF2-40B4-BE49-F238E27FC236}">
+                      <a16:creationId xmlns:a16="http://schemas.microsoft.com/office/drawing/2014/main" id="{DA044379-8646-514E-B293-339E66A33D4C}"/>
+                    </a:ext>
+                  </a:extLst>
+                </p:cNvPr>
+                <p:cNvSpPr/>
+                <p:nvPr/>
+              </p:nvSpPr>
+              <p:spPr>
+                <a:xfrm>
+                  <a:off x="2391315" y="3973859"/>
+                  <a:ext cx="318240" cy="162505"/>
+                </a:xfrm>
+                <a:prstGeom prst="rect">
+                  <a:avLst/>
+                </a:prstGeom>
+                <a:solidFill>
+                  <a:schemeClr val="bg1"/>
+                </a:solidFill>
+                <a:ln>
+                  <a:noFill/>
+                </a:ln>
+              </p:spPr>
+              <p:style>
+                <a:lnRef idx="2">
+                  <a:schemeClr val="accent1">
+                    <a:shade val="50000"/>
+                  </a:schemeClr>
+                </a:lnRef>
+                <a:fillRef idx="1">
+                  <a:schemeClr val="accent1"/>
+                </a:fillRef>
+                <a:effectRef idx="0">
+                  <a:schemeClr val="accent1"/>
+                </a:effectRef>
+                <a:fontRef idx="minor">
+                  <a:schemeClr val="lt1"/>
+                </a:fontRef>
+              </p:style>
+              <p:txBody>
+                <a:bodyPr rtlCol="0" anchor="ctr"/>
+                <a:lstStyle/>
+                <a:p>
+                  <a:pPr algn="ctr"/>
+                  <a:endParaRPr lang="en-US"/>
+                </a:p>
+              </p:txBody>
+            </p:sp>
+            <p:sp>
+              <p:nvSpPr>
+                <p:cNvPr id="53" name="Rectangle 52">
+                  <a:extLst>
+                    <a:ext uri="{FF2B5EF4-FFF2-40B4-BE49-F238E27FC236}">
+                      <a16:creationId xmlns:a16="http://schemas.microsoft.com/office/drawing/2014/main" id="{A9B9D65D-15DA-ED40-B192-4249AC70B374}"/>
+                    </a:ext>
+                  </a:extLst>
+                </p:cNvPr>
+                <p:cNvSpPr/>
+                <p:nvPr/>
+              </p:nvSpPr>
+              <p:spPr>
+                <a:xfrm>
+                  <a:off x="3499517" y="4078863"/>
+                  <a:ext cx="318240" cy="162504"/>
+                </a:xfrm>
+                <a:prstGeom prst="rect">
+                  <a:avLst/>
+                </a:prstGeom>
+                <a:solidFill>
+                  <a:schemeClr val="bg1"/>
+                </a:solidFill>
+                <a:ln>
+                  <a:noFill/>
+                </a:ln>
+              </p:spPr>
+              <p:style>
+                <a:lnRef idx="2">
+                  <a:schemeClr val="accent1">
+                    <a:shade val="50000"/>
+                  </a:schemeClr>
+                </a:lnRef>
+                <a:fillRef idx="1">
+                  <a:schemeClr val="accent1"/>
+                </a:fillRef>
+                <a:effectRef idx="0">
+                  <a:schemeClr val="accent1"/>
+                </a:effectRef>
+                <a:fontRef idx="minor">
+                  <a:schemeClr val="lt1"/>
+                </a:fontRef>
+              </p:style>
+              <p:txBody>
+                <a:bodyPr rtlCol="0" anchor="ctr"/>
+                <a:lstStyle/>
+                <a:p>
+                  <a:pPr algn="ctr"/>
+                  <a:endParaRPr lang="en-US"/>
+                </a:p>
+              </p:txBody>
+            </p:sp>
+          </p:grpSp>
+          <p:grpSp>
+            <p:nvGrpSpPr>
+              <p:cNvPr id="13" name="Group 12">
                 <a:extLst>
                   <a:ext uri="{FF2B5EF4-FFF2-40B4-BE49-F238E27FC236}">
-                    <a16:creationId xmlns:a16="http://schemas.microsoft.com/office/drawing/2014/main" id="{21013EA5-8A6F-B24C-BAF3-B799F28D9529}"/>
+                    <a16:creationId xmlns:a16="http://schemas.microsoft.com/office/drawing/2014/main" id="{28AB0E9B-D660-9843-B92C-53332EC8EC22}"/>
                   </a:ext>
                 </a:extLst>
               </p:cNvPr>
-              <p:cNvCxnSpPr>
-                <a:cxnSpLocks/>
-              </p:cNvCxnSpPr>
+              <p:cNvGrpSpPr/>
               <p:nvPr/>
-            </p:nvCxnSpPr>
-            <p:spPr>
+            </p:nvGrpSpPr>
+            <p:grpSpPr>
               <a:xfrm>
-                <a:off x="7285891" y="5096385"/>
-                <a:ext cx="1235034" cy="510639"/>
+                <a:off x="4513912" y="2718039"/>
+                <a:ext cx="1784146" cy="1773936"/>
+                <a:chOff x="2391315" y="2467564"/>
+                <a:chExt cx="1784146" cy="1773803"/>
               </a:xfrm>
-              <a:prstGeom prst="line">
-                <a:avLst/>
-              </a:prstGeom>
-              <a:ln w="41275">
+            </p:grpSpPr>
+            <p:pic>
+              <p:nvPicPr>
+                <p:cNvPr id="12" name="Picture 2" descr="Big data - Free technology icons">
+                  <a:extLst>
+                    <a:ext uri="{FF2B5EF4-FFF2-40B4-BE49-F238E27FC236}">
+                      <a16:creationId xmlns:a16="http://schemas.microsoft.com/office/drawing/2014/main" id="{3BB646C9-6C41-1245-9035-730285F08AA8}"/>
+                    </a:ext>
+                  </a:extLst>
+                </p:cNvPr>
+                <p:cNvPicPr>
+                  <a:picLocks noChangeAspect="1" noChangeArrowheads="1"/>
+                </p:cNvPicPr>
+                <p:nvPr/>
+              </p:nvPicPr>
+              <p:blipFill rotWithShape="1">
+                <a:blip r:embed="rId2">
+                  <a:extLst>
+                    <a:ext uri="{28A0092B-C50C-407E-A947-70E740481C1C}">
+                      <a14:useLocalDpi xmlns:a14="http://schemas.microsoft.com/office/drawing/2010/main" val="0"/>
+                    </a:ext>
+                  </a:extLst>
+                </a:blip>
+                <a:srcRect l="58536" t="-695" r="-232" b="59203"/>
+                <a:stretch/>
+              </p:blipFill>
+              <p:spPr bwMode="auto">
+                <a:xfrm>
+                  <a:off x="2450690" y="2467564"/>
+                  <a:ext cx="1724771" cy="1716302"/>
+                </a:xfrm>
+                <a:prstGeom prst="rect">
+                  <a:avLst/>
+                </a:prstGeom>
+                <a:noFill/>
+                <a:extLst>
+                  <a:ext uri="{909E8E84-426E-40DD-AFC4-6F175D3DCCD1}">
+                    <a14:hiddenFill xmlns:a14="http://schemas.microsoft.com/office/drawing/2010/main">
+                      <a:solidFill>
+                        <a:srgbClr val="FFFFFF"/>
+                      </a:solidFill>
+                    </a14:hiddenFill>
+                  </a:ext>
+                </a:extLst>
+              </p:spPr>
+            </p:pic>
+            <p:sp>
+              <p:nvSpPr>
+                <p:cNvPr id="11" name="Rectangle 10">
+                  <a:extLst>
+                    <a:ext uri="{FF2B5EF4-FFF2-40B4-BE49-F238E27FC236}">
+                      <a16:creationId xmlns:a16="http://schemas.microsoft.com/office/drawing/2014/main" id="{8D0B84BC-87E6-B74D-8C22-1C744F8B20A8}"/>
+                    </a:ext>
+                  </a:extLst>
+                </p:cNvPr>
+                <p:cNvSpPr/>
+                <p:nvPr/>
+              </p:nvSpPr>
+              <p:spPr>
+                <a:xfrm>
+                  <a:off x="2391315" y="3973859"/>
+                  <a:ext cx="318240" cy="162505"/>
+                </a:xfrm>
+                <a:prstGeom prst="rect">
+                  <a:avLst/>
+                </a:prstGeom>
                 <a:solidFill>
-                  <a:srgbClr val="92D050"/>
+                  <a:schemeClr val="bg1"/>
                 </a:solidFill>
-              </a:ln>
-            </p:spPr>
-            <p:style>
-              <a:lnRef idx="1">
-                <a:schemeClr val="accent1"/>
-              </a:lnRef>
-              <a:fillRef idx="0">
-                <a:schemeClr val="accent1"/>
-              </a:fillRef>
-              <a:effectRef idx="0">
-                <a:schemeClr val="accent1"/>
-              </a:effectRef>
-              <a:fontRef idx="minor">
-                <a:schemeClr val="tx1"/>
-              </a:fontRef>
-            </p:style>
-          </p:cxnSp>
-          <p:cxnSp>
-            <p:nvCxnSpPr>
-              <p:cNvPr id="36" name="Straight Connector 35">
+                <a:ln>
+                  <a:noFill/>
+                </a:ln>
+              </p:spPr>
+              <p:style>
+                <a:lnRef idx="2">
+                  <a:schemeClr val="accent1">
+                    <a:shade val="50000"/>
+                  </a:schemeClr>
+                </a:lnRef>
+                <a:fillRef idx="1">
+                  <a:schemeClr val="accent1"/>
+                </a:fillRef>
+                <a:effectRef idx="0">
+                  <a:schemeClr val="accent1"/>
+                </a:effectRef>
+                <a:fontRef idx="minor">
+                  <a:schemeClr val="lt1"/>
+                </a:fontRef>
+              </p:style>
+              <p:txBody>
+                <a:bodyPr rtlCol="0" anchor="ctr"/>
+                <a:lstStyle/>
+                <a:p>
+                  <a:pPr algn="ctr"/>
+                  <a:endParaRPr lang="en-US"/>
+                </a:p>
+              </p:txBody>
+            </p:sp>
+            <p:sp>
+              <p:nvSpPr>
+                <p:cNvPr id="14" name="Rectangle 13">
+                  <a:extLst>
+                    <a:ext uri="{FF2B5EF4-FFF2-40B4-BE49-F238E27FC236}">
+                      <a16:creationId xmlns:a16="http://schemas.microsoft.com/office/drawing/2014/main" id="{04D4A635-B146-9B4A-8A71-320CB3542A9E}"/>
+                    </a:ext>
+                  </a:extLst>
+                </p:cNvPr>
+                <p:cNvSpPr/>
+                <p:nvPr/>
+              </p:nvSpPr>
+              <p:spPr>
+                <a:xfrm>
+                  <a:off x="3499517" y="4078863"/>
+                  <a:ext cx="318240" cy="162504"/>
+                </a:xfrm>
+                <a:prstGeom prst="rect">
+                  <a:avLst/>
+                </a:prstGeom>
+                <a:solidFill>
+                  <a:schemeClr val="bg1"/>
+                </a:solidFill>
+                <a:ln>
+                  <a:noFill/>
+                </a:ln>
+              </p:spPr>
+              <p:style>
+                <a:lnRef idx="2">
+                  <a:schemeClr val="accent1">
+                    <a:shade val="50000"/>
+                  </a:schemeClr>
+                </a:lnRef>
+                <a:fillRef idx="1">
+                  <a:schemeClr val="accent1"/>
+                </a:fillRef>
+                <a:effectRef idx="0">
+                  <a:schemeClr val="accent1"/>
+                </a:effectRef>
+                <a:fontRef idx="minor">
+                  <a:schemeClr val="lt1"/>
+                </a:fontRef>
+              </p:style>
+              <p:txBody>
+                <a:bodyPr rtlCol="0" anchor="ctr"/>
+                <a:lstStyle/>
+                <a:p>
+                  <a:pPr algn="ctr"/>
+                  <a:endParaRPr lang="en-US"/>
+                </a:p>
+              </p:txBody>
+            </p:sp>
+          </p:grpSp>
+          <p:sp>
+            <p:nvSpPr>
+              <p:cNvPr id="18" name="Rounded Rectangle 17">
                 <a:extLst>
                   <a:ext uri="{FF2B5EF4-FFF2-40B4-BE49-F238E27FC236}">
-                    <a16:creationId xmlns:a16="http://schemas.microsoft.com/office/drawing/2014/main" id="{AFC936B9-F363-2741-8F3B-8C0A0BC783C4}"/>
-                  </a:ext>
-                </a:extLst>
-              </p:cNvPr>
-              <p:cNvCxnSpPr>
-                <a:cxnSpLocks/>
-              </p:cNvCxnSpPr>
-              <p:nvPr/>
-            </p:nvCxnSpPr>
-            <p:spPr>
-              <a:xfrm flipV="1">
-                <a:off x="8509050" y="5243513"/>
-                <a:ext cx="733360" cy="350204"/>
-              </a:xfrm>
-              <a:prstGeom prst="line">
-                <a:avLst/>
-              </a:prstGeom>
-              <a:ln w="41275">
-                <a:solidFill>
-                  <a:srgbClr val="92D050"/>
-                </a:solidFill>
-              </a:ln>
-            </p:spPr>
-            <p:style>
-              <a:lnRef idx="1">
-                <a:schemeClr val="accent1"/>
-              </a:lnRef>
-              <a:fillRef idx="0">
-                <a:schemeClr val="accent1"/>
-              </a:fillRef>
-              <a:effectRef idx="0">
-                <a:schemeClr val="accent1"/>
-              </a:effectRef>
-              <a:fontRef idx="minor">
-                <a:schemeClr val="tx1"/>
-              </a:fontRef>
-            </p:style>
-          </p:cxnSp>
-          <p:cxnSp>
-            <p:nvCxnSpPr>
-              <p:cNvPr id="40" name="Straight Connector 39">
-                <a:extLst>
-                  <a:ext uri="{FF2B5EF4-FFF2-40B4-BE49-F238E27FC236}">
-                    <a16:creationId xmlns:a16="http://schemas.microsoft.com/office/drawing/2014/main" id="{187C9636-9AD8-6D4C-91EF-F03C2ECC8874}"/>
-                  </a:ext>
-                </a:extLst>
-              </p:cNvPr>
-              <p:cNvCxnSpPr>
-                <a:cxnSpLocks/>
-              </p:cNvCxnSpPr>
-              <p:nvPr/>
-            </p:nvCxnSpPr>
-            <p:spPr>
-              <a:xfrm>
-                <a:off x="7284160" y="4921022"/>
-                <a:ext cx="1236765" cy="933513"/>
-              </a:xfrm>
-              <a:prstGeom prst="line">
-                <a:avLst/>
-              </a:prstGeom>
-              <a:ln w="41275">
-                <a:solidFill>
-                  <a:srgbClr val="FFC000"/>
-                </a:solidFill>
-              </a:ln>
-            </p:spPr>
-            <p:style>
-              <a:lnRef idx="1">
-                <a:schemeClr val="accent1"/>
-              </a:lnRef>
-              <a:fillRef idx="0">
-                <a:schemeClr val="accent1"/>
-              </a:fillRef>
-              <a:effectRef idx="0">
-                <a:schemeClr val="accent1"/>
-              </a:effectRef>
-              <a:fontRef idx="minor">
-                <a:schemeClr val="tx1"/>
-              </a:fontRef>
-            </p:style>
-          </p:cxnSp>
-          <p:cxnSp>
-            <p:nvCxnSpPr>
-              <p:cNvPr id="42" name="Straight Connector 41">
-                <a:extLst>
-                  <a:ext uri="{FF2B5EF4-FFF2-40B4-BE49-F238E27FC236}">
-                    <a16:creationId xmlns:a16="http://schemas.microsoft.com/office/drawing/2014/main" id="{72495A2A-E7C7-194A-8767-483D8C5B9F0A}"/>
-                  </a:ext>
-                </a:extLst>
-              </p:cNvPr>
-              <p:cNvCxnSpPr>
-                <a:cxnSpLocks/>
-              </p:cNvCxnSpPr>
-              <p:nvPr/>
-            </p:nvCxnSpPr>
-            <p:spPr>
-              <a:xfrm flipV="1">
-                <a:off x="8522656" y="5345132"/>
-                <a:ext cx="653143" cy="479498"/>
-              </a:xfrm>
-              <a:prstGeom prst="line">
-                <a:avLst/>
-              </a:prstGeom>
-              <a:ln w="41275">
-                <a:solidFill>
-                  <a:srgbClr val="FFC000"/>
-                </a:solidFill>
-              </a:ln>
-            </p:spPr>
-            <p:style>
-              <a:lnRef idx="1">
-                <a:schemeClr val="accent1"/>
-              </a:lnRef>
-              <a:fillRef idx="0">
-                <a:schemeClr val="accent1"/>
-              </a:fillRef>
-              <a:effectRef idx="0">
-                <a:schemeClr val="accent1"/>
-              </a:effectRef>
-              <a:fontRef idx="minor">
-                <a:schemeClr val="tx1"/>
-              </a:fontRef>
-            </p:style>
-          </p:cxnSp>
-          <p:cxnSp>
-            <p:nvCxnSpPr>
-              <p:cNvPr id="47" name="Straight Connector 46">
-                <a:extLst>
-                  <a:ext uri="{FF2B5EF4-FFF2-40B4-BE49-F238E27FC236}">
-                    <a16:creationId xmlns:a16="http://schemas.microsoft.com/office/drawing/2014/main" id="{D334C775-CAD3-254A-95D1-A4FAE0E2A4DA}"/>
-                  </a:ext>
-                </a:extLst>
-              </p:cNvPr>
-              <p:cNvCxnSpPr>
-                <a:cxnSpLocks/>
-              </p:cNvCxnSpPr>
-              <p:nvPr/>
-            </p:nvCxnSpPr>
-            <p:spPr>
-              <a:xfrm flipV="1">
-                <a:off x="6790371" y="4921022"/>
-                <a:ext cx="495520" cy="861365"/>
-              </a:xfrm>
-              <a:prstGeom prst="line">
-                <a:avLst/>
-              </a:prstGeom>
-              <a:ln w="41275">
-                <a:solidFill>
-                  <a:srgbClr val="FFC000"/>
-                </a:solidFill>
-              </a:ln>
-            </p:spPr>
-            <p:style>
-              <a:lnRef idx="1">
-                <a:schemeClr val="accent1"/>
-              </a:lnRef>
-              <a:fillRef idx="0">
-                <a:schemeClr val="accent1"/>
-              </a:fillRef>
-              <a:effectRef idx="0">
-                <a:schemeClr val="accent1"/>
-              </a:effectRef>
-              <a:fontRef idx="minor">
-                <a:schemeClr val="tx1"/>
-              </a:fontRef>
-            </p:style>
-          </p:cxnSp>
-        </p:grpSp>
-        <p:grpSp>
-          <p:nvGrpSpPr>
-            <p:cNvPr id="23" name="Group 22">
-              <a:extLst>
-                <a:ext uri="{FF2B5EF4-FFF2-40B4-BE49-F238E27FC236}">
-                  <a16:creationId xmlns:a16="http://schemas.microsoft.com/office/drawing/2014/main" id="{20F2B9C5-30E1-5444-98AF-B748C00F4C35}"/>
-                </a:ext>
-              </a:extLst>
-            </p:cNvPr>
-            <p:cNvGrpSpPr/>
-            <p:nvPr/>
-          </p:nvGrpSpPr>
-          <p:grpSpPr>
-            <a:xfrm>
-              <a:off x="3618577" y="512290"/>
-              <a:ext cx="1377706" cy="1437383"/>
-              <a:chOff x="8229380" y="2149172"/>
-              <a:chExt cx="1377706" cy="1437383"/>
-            </a:xfrm>
-          </p:grpSpPr>
-          <p:sp>
-            <p:nvSpPr>
-              <p:cNvPr id="22" name="Rectangle 21">
-                <a:extLst>
-                  <a:ext uri="{FF2B5EF4-FFF2-40B4-BE49-F238E27FC236}">
-                    <a16:creationId xmlns:a16="http://schemas.microsoft.com/office/drawing/2014/main" id="{910FECC5-470E-A247-AD70-8BBCFD77195E}"/>
+                    <a16:creationId xmlns:a16="http://schemas.microsoft.com/office/drawing/2014/main" id="{A7954779-B189-9541-9B54-D77B724A1F3A}"/>
                   </a:ext>
                 </a:extLst>
               </p:cNvPr>
@@ -4542,18 +4091,20 @@
             </p:nvSpPr>
             <p:spPr>
               <a:xfrm>
-                <a:off x="8229380" y="2871788"/>
-                <a:ext cx="231846" cy="714766"/>
+                <a:off x="2634507" y="4015528"/>
+                <a:ext cx="1822730" cy="322491"/>
               </a:xfrm>
-              <a:prstGeom prst="rect">
-                <a:avLst/>
+              <a:prstGeom prst="roundRect">
+                <a:avLst>
+                  <a:gd name="adj" fmla="val 50000"/>
+                </a:avLst>
               </a:prstGeom>
               <a:solidFill>
-                <a:srgbClr val="FF0000">
-                  <a:alpha val="60000"/>
-                </a:srgbClr>
+                <a:schemeClr val="bg1">
+                  <a:lumMod val="95000"/>
+                </a:schemeClr>
               </a:solidFill>
-              <a:ln w="38100">
+              <a:ln w="47625">
                 <a:solidFill>
                   <a:schemeClr val="tx1"/>
                 </a:solidFill>
@@ -4586,10 +4137,10 @@
           </p:sp>
           <p:sp>
             <p:nvSpPr>
-              <p:cNvPr id="24" name="Rectangle 23">
+              <p:cNvPr id="15" name="Rounded Rectangle 14">
                 <a:extLst>
                   <a:ext uri="{FF2B5EF4-FFF2-40B4-BE49-F238E27FC236}">
-                    <a16:creationId xmlns:a16="http://schemas.microsoft.com/office/drawing/2014/main" id="{8694E769-E44A-0A48-AC31-36A524D4FC4B}"/>
+                    <a16:creationId xmlns:a16="http://schemas.microsoft.com/office/drawing/2014/main" id="{E3909D96-050C-9A48-8D4E-1764BC240E14}"/>
                   </a:ext>
                 </a:extLst>
               </p:cNvPr>
@@ -4598,18 +4149,18 @@
             </p:nvSpPr>
             <p:spPr>
               <a:xfrm>
-                <a:off x="8682624" y="2154886"/>
-                <a:ext cx="228600" cy="1431669"/>
+                <a:off x="1455813" y="1027631"/>
+                <a:ext cx="4078333" cy="2401369"/>
               </a:xfrm>
-              <a:prstGeom prst="rect">
+              <a:prstGeom prst="roundRect">
                 <a:avLst/>
               </a:prstGeom>
               <a:solidFill>
-                <a:srgbClr val="00B050">
-                  <a:alpha val="80000"/>
-                </a:srgbClr>
+                <a:schemeClr val="bg1">
+                  <a:lumMod val="95000"/>
+                </a:schemeClr>
               </a:solidFill>
-              <a:ln w="38100">
+              <a:ln w="47625">
                 <a:solidFill>
                   <a:schemeClr val="tx1"/>
                 </a:solidFill>
@@ -4642,10 +4193,10 @@
           </p:sp>
           <p:sp>
             <p:nvSpPr>
-              <p:cNvPr id="25" name="Rectangle 24">
+              <p:cNvPr id="16" name="Rectangle 15">
                 <a:extLst>
                   <a:ext uri="{FF2B5EF4-FFF2-40B4-BE49-F238E27FC236}">
-                    <a16:creationId xmlns:a16="http://schemas.microsoft.com/office/drawing/2014/main" id="{8ABC4991-5C12-AB49-8632-C8513AB0D473}"/>
+                    <a16:creationId xmlns:a16="http://schemas.microsoft.com/office/drawing/2014/main" id="{831B6994-05AE-D740-AED2-C93AC0CC19BF}"/>
                   </a:ext>
                 </a:extLst>
               </p:cNvPr>
@@ -4654,18 +4205,16 @@
             </p:nvSpPr>
             <p:spPr>
               <a:xfrm>
-                <a:off x="8461226" y="2681062"/>
-                <a:ext cx="228600" cy="905493"/>
+                <a:off x="1747601" y="1249392"/>
+                <a:ext cx="3484566" cy="1857116"/>
               </a:xfrm>
               <a:prstGeom prst="rect">
                 <a:avLst/>
               </a:prstGeom>
               <a:solidFill>
-                <a:srgbClr val="FFC000">
-                  <a:alpha val="70000"/>
-                </a:srgbClr>
+                <a:srgbClr val="77B0CD"/>
               </a:solidFill>
-              <a:ln w="38100">
+              <a:ln w="47625">
                 <a:solidFill>
                   <a:schemeClr val="tx1"/>
                 </a:solidFill>
@@ -4698,10 +4247,10 @@
           </p:sp>
           <p:sp>
             <p:nvSpPr>
-              <p:cNvPr id="26" name="Rectangle 25">
+              <p:cNvPr id="21" name="Rectangle 20">
                 <a:extLst>
                   <a:ext uri="{FF2B5EF4-FFF2-40B4-BE49-F238E27FC236}">
-                    <a16:creationId xmlns:a16="http://schemas.microsoft.com/office/drawing/2014/main" id="{B00B2DF3-B20E-5B49-AE18-D46B01FA1752}"/>
+                    <a16:creationId xmlns:a16="http://schemas.microsoft.com/office/drawing/2014/main" id="{E4E233A8-2892-D249-BADE-3E2950316201}"/>
                   </a:ext>
                 </a:extLst>
               </p:cNvPr>
@@ -4710,18 +4259,18 @@
             </p:nvSpPr>
             <p:spPr>
               <a:xfrm>
-                <a:off x="8907383" y="2386013"/>
-                <a:ext cx="253219" cy="1200542"/>
+                <a:off x="3128295" y="3428999"/>
+                <a:ext cx="835153" cy="586529"/>
               </a:xfrm>
               <a:prstGeom prst="rect">
                 <a:avLst/>
               </a:prstGeom>
               <a:solidFill>
-                <a:srgbClr val="00B0F0">
-                  <a:alpha val="80000"/>
-                </a:srgbClr>
+                <a:schemeClr val="bg1">
+                  <a:lumMod val="95000"/>
+                </a:schemeClr>
               </a:solidFill>
-              <a:ln w="38100">
+              <a:ln w="47625">
                 <a:solidFill>
                   <a:schemeClr val="tx1"/>
                 </a:solidFill>
@@ -4752,146 +4301,801 @@
               </a:p>
             </p:txBody>
           </p:sp>
-          <p:sp>
-            <p:nvSpPr>
-              <p:cNvPr id="27" name="Rectangle 26">
+          <p:grpSp>
+            <p:nvGrpSpPr>
+              <p:cNvPr id="49" name="Group 48">
                 <a:extLst>
                   <a:ext uri="{FF2B5EF4-FFF2-40B4-BE49-F238E27FC236}">
-                    <a16:creationId xmlns:a16="http://schemas.microsoft.com/office/drawing/2014/main" id="{98E8EFEB-1FE8-F147-8BA2-C9A5022B4F79}"/>
+                    <a16:creationId xmlns:a16="http://schemas.microsoft.com/office/drawing/2014/main" id="{E3427E0A-40F1-184C-BF6E-BDED545A346C}"/>
                   </a:ext>
                 </a:extLst>
               </p:cNvPr>
-              <p:cNvSpPr/>
+              <p:cNvGrpSpPr/>
               <p:nvPr/>
-            </p:nvSpPr>
-            <p:spPr>
+            </p:nvGrpSpPr>
+            <p:grpSpPr>
               <a:xfrm>
-                <a:off x="9154815" y="2680759"/>
-                <a:ext cx="228600" cy="905493"/>
+                <a:off x="2054279" y="1838995"/>
+                <a:ext cx="2609662" cy="933513"/>
+                <a:chOff x="6632748" y="4921022"/>
+                <a:chExt cx="2609662" cy="933513"/>
+              </a:xfrm>
+            </p:grpSpPr>
+            <p:cxnSp>
+              <p:nvCxnSpPr>
+                <p:cNvPr id="30" name="Straight Connector 29">
+                  <a:extLst>
+                    <a:ext uri="{FF2B5EF4-FFF2-40B4-BE49-F238E27FC236}">
+                      <a16:creationId xmlns:a16="http://schemas.microsoft.com/office/drawing/2014/main" id="{92089B16-1707-FE48-91B8-CA628EFAB0F9}"/>
+                    </a:ext>
+                  </a:extLst>
+                </p:cNvPr>
+                <p:cNvCxnSpPr>
+                  <a:cxnSpLocks/>
+                </p:cNvCxnSpPr>
+                <p:nvPr/>
+              </p:nvCxnSpPr>
+              <p:spPr>
+                <a:xfrm flipV="1">
+                  <a:off x="6632748" y="5096385"/>
+                  <a:ext cx="653143" cy="510639"/>
+                </a:xfrm>
+                <a:prstGeom prst="line">
+                  <a:avLst/>
+                </a:prstGeom>
+                <a:ln w="41275">
+                  <a:solidFill>
+                    <a:srgbClr val="92D050"/>
+                  </a:solidFill>
+                </a:ln>
+              </p:spPr>
+              <p:style>
+                <a:lnRef idx="1">
+                  <a:schemeClr val="accent1"/>
+                </a:lnRef>
+                <a:fillRef idx="0">
+                  <a:schemeClr val="accent1"/>
+                </a:fillRef>
+                <a:effectRef idx="0">
+                  <a:schemeClr val="accent1"/>
+                </a:effectRef>
+                <a:fontRef idx="minor">
+                  <a:schemeClr val="tx1"/>
+                </a:fontRef>
+              </p:style>
+            </p:cxnSp>
+            <p:cxnSp>
+              <p:nvCxnSpPr>
+                <p:cNvPr id="32" name="Straight Connector 31">
+                  <a:extLst>
+                    <a:ext uri="{FF2B5EF4-FFF2-40B4-BE49-F238E27FC236}">
+                      <a16:creationId xmlns:a16="http://schemas.microsoft.com/office/drawing/2014/main" id="{21013EA5-8A6F-B24C-BAF3-B799F28D9529}"/>
+                    </a:ext>
+                  </a:extLst>
+                </p:cNvPr>
+                <p:cNvCxnSpPr>
+                  <a:cxnSpLocks/>
+                </p:cNvCxnSpPr>
+                <p:nvPr/>
+              </p:nvCxnSpPr>
+              <p:spPr>
+                <a:xfrm>
+                  <a:off x="7285891" y="5096385"/>
+                  <a:ext cx="1235034" cy="510639"/>
+                </a:xfrm>
+                <a:prstGeom prst="line">
+                  <a:avLst/>
+                </a:prstGeom>
+                <a:ln w="41275">
+                  <a:solidFill>
+                    <a:srgbClr val="92D050"/>
+                  </a:solidFill>
+                </a:ln>
+              </p:spPr>
+              <p:style>
+                <a:lnRef idx="1">
+                  <a:schemeClr val="accent1"/>
+                </a:lnRef>
+                <a:fillRef idx="0">
+                  <a:schemeClr val="accent1"/>
+                </a:fillRef>
+                <a:effectRef idx="0">
+                  <a:schemeClr val="accent1"/>
+                </a:effectRef>
+                <a:fontRef idx="minor">
+                  <a:schemeClr val="tx1"/>
+                </a:fontRef>
+              </p:style>
+            </p:cxnSp>
+            <p:cxnSp>
+              <p:nvCxnSpPr>
+                <p:cNvPr id="36" name="Straight Connector 35">
+                  <a:extLst>
+                    <a:ext uri="{FF2B5EF4-FFF2-40B4-BE49-F238E27FC236}">
+                      <a16:creationId xmlns:a16="http://schemas.microsoft.com/office/drawing/2014/main" id="{AFC936B9-F363-2741-8F3B-8C0A0BC783C4}"/>
+                    </a:ext>
+                  </a:extLst>
+                </p:cNvPr>
+                <p:cNvCxnSpPr>
+                  <a:cxnSpLocks/>
+                </p:cNvCxnSpPr>
+                <p:nvPr/>
+              </p:nvCxnSpPr>
+              <p:spPr>
+                <a:xfrm flipV="1">
+                  <a:off x="8509050" y="5243513"/>
+                  <a:ext cx="733360" cy="350204"/>
+                </a:xfrm>
+                <a:prstGeom prst="line">
+                  <a:avLst/>
+                </a:prstGeom>
+                <a:ln w="41275">
+                  <a:solidFill>
+                    <a:srgbClr val="92D050"/>
+                  </a:solidFill>
+                </a:ln>
+              </p:spPr>
+              <p:style>
+                <a:lnRef idx="1">
+                  <a:schemeClr val="accent1"/>
+                </a:lnRef>
+                <a:fillRef idx="0">
+                  <a:schemeClr val="accent1"/>
+                </a:fillRef>
+                <a:effectRef idx="0">
+                  <a:schemeClr val="accent1"/>
+                </a:effectRef>
+                <a:fontRef idx="minor">
+                  <a:schemeClr val="tx1"/>
+                </a:fontRef>
+              </p:style>
+            </p:cxnSp>
+            <p:cxnSp>
+              <p:nvCxnSpPr>
+                <p:cNvPr id="40" name="Straight Connector 39">
+                  <a:extLst>
+                    <a:ext uri="{FF2B5EF4-FFF2-40B4-BE49-F238E27FC236}">
+                      <a16:creationId xmlns:a16="http://schemas.microsoft.com/office/drawing/2014/main" id="{187C9636-9AD8-6D4C-91EF-F03C2ECC8874}"/>
+                    </a:ext>
+                  </a:extLst>
+                </p:cNvPr>
+                <p:cNvCxnSpPr>
+                  <a:cxnSpLocks/>
+                </p:cNvCxnSpPr>
+                <p:nvPr/>
+              </p:nvCxnSpPr>
+              <p:spPr>
+                <a:xfrm>
+                  <a:off x="7284160" y="4921022"/>
+                  <a:ext cx="1236765" cy="933513"/>
+                </a:xfrm>
+                <a:prstGeom prst="line">
+                  <a:avLst/>
+                </a:prstGeom>
+                <a:ln w="41275">
+                  <a:solidFill>
+                    <a:srgbClr val="FFC000"/>
+                  </a:solidFill>
+                </a:ln>
+              </p:spPr>
+              <p:style>
+                <a:lnRef idx="1">
+                  <a:schemeClr val="accent1"/>
+                </a:lnRef>
+                <a:fillRef idx="0">
+                  <a:schemeClr val="accent1"/>
+                </a:fillRef>
+                <a:effectRef idx="0">
+                  <a:schemeClr val="accent1"/>
+                </a:effectRef>
+                <a:fontRef idx="minor">
+                  <a:schemeClr val="tx1"/>
+                </a:fontRef>
+              </p:style>
+            </p:cxnSp>
+            <p:cxnSp>
+              <p:nvCxnSpPr>
+                <p:cNvPr id="42" name="Straight Connector 41">
+                  <a:extLst>
+                    <a:ext uri="{FF2B5EF4-FFF2-40B4-BE49-F238E27FC236}">
+                      <a16:creationId xmlns:a16="http://schemas.microsoft.com/office/drawing/2014/main" id="{72495A2A-E7C7-194A-8767-483D8C5B9F0A}"/>
+                    </a:ext>
+                  </a:extLst>
+                </p:cNvPr>
+                <p:cNvCxnSpPr>
+                  <a:cxnSpLocks/>
+                </p:cNvCxnSpPr>
+                <p:nvPr/>
+              </p:nvCxnSpPr>
+              <p:spPr>
+                <a:xfrm flipV="1">
+                  <a:off x="8522656" y="5345132"/>
+                  <a:ext cx="653143" cy="479498"/>
+                </a:xfrm>
+                <a:prstGeom prst="line">
+                  <a:avLst/>
+                </a:prstGeom>
+                <a:ln w="41275">
+                  <a:solidFill>
+                    <a:srgbClr val="FFC000"/>
+                  </a:solidFill>
+                </a:ln>
+              </p:spPr>
+              <p:style>
+                <a:lnRef idx="1">
+                  <a:schemeClr val="accent1"/>
+                </a:lnRef>
+                <a:fillRef idx="0">
+                  <a:schemeClr val="accent1"/>
+                </a:fillRef>
+                <a:effectRef idx="0">
+                  <a:schemeClr val="accent1"/>
+                </a:effectRef>
+                <a:fontRef idx="minor">
+                  <a:schemeClr val="tx1"/>
+                </a:fontRef>
+              </p:style>
+            </p:cxnSp>
+            <p:cxnSp>
+              <p:nvCxnSpPr>
+                <p:cNvPr id="47" name="Straight Connector 46">
+                  <a:extLst>
+                    <a:ext uri="{FF2B5EF4-FFF2-40B4-BE49-F238E27FC236}">
+                      <a16:creationId xmlns:a16="http://schemas.microsoft.com/office/drawing/2014/main" id="{D334C775-CAD3-254A-95D1-A4FAE0E2A4DA}"/>
+                    </a:ext>
+                  </a:extLst>
+                </p:cNvPr>
+                <p:cNvCxnSpPr>
+                  <a:cxnSpLocks/>
+                </p:cNvCxnSpPr>
+                <p:nvPr/>
+              </p:nvCxnSpPr>
+              <p:spPr>
+                <a:xfrm flipV="1">
+                  <a:off x="6790371" y="4921022"/>
+                  <a:ext cx="495520" cy="861365"/>
+                </a:xfrm>
+                <a:prstGeom prst="line">
+                  <a:avLst/>
+                </a:prstGeom>
+                <a:ln w="41275">
+                  <a:solidFill>
+                    <a:srgbClr val="FFC000"/>
+                  </a:solidFill>
+                </a:ln>
+              </p:spPr>
+              <p:style>
+                <a:lnRef idx="1">
+                  <a:schemeClr val="accent1"/>
+                </a:lnRef>
+                <a:fillRef idx="0">
+                  <a:schemeClr val="accent1"/>
+                </a:fillRef>
+                <a:effectRef idx="0">
+                  <a:schemeClr val="accent1"/>
+                </a:effectRef>
+                <a:fontRef idx="minor">
+                  <a:schemeClr val="tx1"/>
+                </a:fontRef>
+              </p:style>
+            </p:cxnSp>
+          </p:grpSp>
+          <p:grpSp>
+            <p:nvGrpSpPr>
+              <p:cNvPr id="23" name="Group 22">
+                <a:extLst>
+                  <a:ext uri="{FF2B5EF4-FFF2-40B4-BE49-F238E27FC236}">
+                    <a16:creationId xmlns:a16="http://schemas.microsoft.com/office/drawing/2014/main" id="{20F2B9C5-30E1-5444-98AF-B748C00F4C35}"/>
+                  </a:ext>
+                </a:extLst>
+              </p:cNvPr>
+              <p:cNvGrpSpPr/>
+              <p:nvPr/>
+            </p:nvGrpSpPr>
+            <p:grpSpPr>
+              <a:xfrm>
+                <a:off x="3618577" y="512290"/>
+                <a:ext cx="1377706" cy="1437383"/>
+                <a:chOff x="8229380" y="2149172"/>
+                <a:chExt cx="1377706" cy="1437383"/>
+              </a:xfrm>
+            </p:grpSpPr>
+            <p:sp>
+              <p:nvSpPr>
+                <p:cNvPr id="22" name="Rectangle 21">
+                  <a:extLst>
+                    <a:ext uri="{FF2B5EF4-FFF2-40B4-BE49-F238E27FC236}">
+                      <a16:creationId xmlns:a16="http://schemas.microsoft.com/office/drawing/2014/main" id="{910FECC5-470E-A247-AD70-8BBCFD77195E}"/>
+                    </a:ext>
+                  </a:extLst>
+                </p:cNvPr>
+                <p:cNvSpPr/>
+                <p:nvPr/>
+              </p:nvSpPr>
+              <p:spPr>
+                <a:xfrm>
+                  <a:off x="8229380" y="2871788"/>
+                  <a:ext cx="231846" cy="714766"/>
+                </a:xfrm>
+                <a:prstGeom prst="rect">
+                  <a:avLst/>
+                </a:prstGeom>
+                <a:solidFill>
+                  <a:srgbClr val="FF0000">
+                    <a:alpha val="60000"/>
+                  </a:srgbClr>
+                </a:solidFill>
+                <a:ln w="38100">
+                  <a:solidFill>
+                    <a:schemeClr val="tx1"/>
+                  </a:solidFill>
+                </a:ln>
+              </p:spPr>
+              <p:style>
+                <a:lnRef idx="2">
+                  <a:schemeClr val="accent1">
+                    <a:shade val="50000"/>
+                  </a:schemeClr>
+                </a:lnRef>
+                <a:fillRef idx="1">
+                  <a:schemeClr val="accent1"/>
+                </a:fillRef>
+                <a:effectRef idx="0">
+                  <a:schemeClr val="accent1"/>
+                </a:effectRef>
+                <a:fontRef idx="minor">
+                  <a:schemeClr val="lt1"/>
+                </a:fontRef>
+              </p:style>
+              <p:txBody>
+                <a:bodyPr rtlCol="0" anchor="ctr"/>
+                <a:lstStyle/>
+                <a:p>
+                  <a:pPr algn="ctr"/>
+                  <a:endParaRPr lang="en-US"/>
+                </a:p>
+              </p:txBody>
+            </p:sp>
+            <p:sp>
+              <p:nvSpPr>
+                <p:cNvPr id="24" name="Rectangle 23">
+                  <a:extLst>
+                    <a:ext uri="{FF2B5EF4-FFF2-40B4-BE49-F238E27FC236}">
+                      <a16:creationId xmlns:a16="http://schemas.microsoft.com/office/drawing/2014/main" id="{8694E769-E44A-0A48-AC31-36A524D4FC4B}"/>
+                    </a:ext>
+                  </a:extLst>
+                </p:cNvPr>
+                <p:cNvSpPr/>
+                <p:nvPr/>
+              </p:nvSpPr>
+              <p:spPr>
+                <a:xfrm>
+                  <a:off x="8682624" y="2154886"/>
+                  <a:ext cx="228600" cy="1431669"/>
+                </a:xfrm>
+                <a:prstGeom prst="rect">
+                  <a:avLst/>
+                </a:prstGeom>
+                <a:solidFill>
+                  <a:srgbClr val="00B050">
+                    <a:alpha val="80000"/>
+                  </a:srgbClr>
+                </a:solidFill>
+                <a:ln w="38100">
+                  <a:solidFill>
+                    <a:schemeClr val="tx1"/>
+                  </a:solidFill>
+                </a:ln>
+              </p:spPr>
+              <p:style>
+                <a:lnRef idx="2">
+                  <a:schemeClr val="accent1">
+                    <a:shade val="50000"/>
+                  </a:schemeClr>
+                </a:lnRef>
+                <a:fillRef idx="1">
+                  <a:schemeClr val="accent1"/>
+                </a:fillRef>
+                <a:effectRef idx="0">
+                  <a:schemeClr val="accent1"/>
+                </a:effectRef>
+                <a:fontRef idx="minor">
+                  <a:schemeClr val="lt1"/>
+                </a:fontRef>
+              </p:style>
+              <p:txBody>
+                <a:bodyPr rtlCol="0" anchor="ctr"/>
+                <a:lstStyle/>
+                <a:p>
+                  <a:pPr algn="ctr"/>
+                  <a:endParaRPr lang="en-US"/>
+                </a:p>
+              </p:txBody>
+            </p:sp>
+            <p:sp>
+              <p:nvSpPr>
+                <p:cNvPr id="25" name="Rectangle 24">
+                  <a:extLst>
+                    <a:ext uri="{FF2B5EF4-FFF2-40B4-BE49-F238E27FC236}">
+                      <a16:creationId xmlns:a16="http://schemas.microsoft.com/office/drawing/2014/main" id="{8ABC4991-5C12-AB49-8632-C8513AB0D473}"/>
+                    </a:ext>
+                  </a:extLst>
+                </p:cNvPr>
+                <p:cNvSpPr/>
+                <p:nvPr/>
+              </p:nvSpPr>
+              <p:spPr>
+                <a:xfrm>
+                  <a:off x="8461226" y="2681062"/>
+                  <a:ext cx="228600" cy="905493"/>
+                </a:xfrm>
+                <a:prstGeom prst="rect">
+                  <a:avLst/>
+                </a:prstGeom>
+                <a:solidFill>
+                  <a:srgbClr val="FFC000">
+                    <a:alpha val="70000"/>
+                  </a:srgbClr>
+                </a:solidFill>
+                <a:ln w="38100">
+                  <a:solidFill>
+                    <a:schemeClr val="tx1"/>
+                  </a:solidFill>
+                </a:ln>
+              </p:spPr>
+              <p:style>
+                <a:lnRef idx="2">
+                  <a:schemeClr val="accent1">
+                    <a:shade val="50000"/>
+                  </a:schemeClr>
+                </a:lnRef>
+                <a:fillRef idx="1">
+                  <a:schemeClr val="accent1"/>
+                </a:fillRef>
+                <a:effectRef idx="0">
+                  <a:schemeClr val="accent1"/>
+                </a:effectRef>
+                <a:fontRef idx="minor">
+                  <a:schemeClr val="lt1"/>
+                </a:fontRef>
+              </p:style>
+              <p:txBody>
+                <a:bodyPr rtlCol="0" anchor="ctr"/>
+                <a:lstStyle/>
+                <a:p>
+                  <a:pPr algn="ctr"/>
+                  <a:endParaRPr lang="en-US"/>
+                </a:p>
+              </p:txBody>
+            </p:sp>
+            <p:sp>
+              <p:nvSpPr>
+                <p:cNvPr id="26" name="Rectangle 25">
+                  <a:extLst>
+                    <a:ext uri="{FF2B5EF4-FFF2-40B4-BE49-F238E27FC236}">
+                      <a16:creationId xmlns:a16="http://schemas.microsoft.com/office/drawing/2014/main" id="{B00B2DF3-B20E-5B49-AE18-D46B01FA1752}"/>
+                    </a:ext>
+                  </a:extLst>
+                </p:cNvPr>
+                <p:cNvSpPr/>
+                <p:nvPr/>
+              </p:nvSpPr>
+              <p:spPr>
+                <a:xfrm>
+                  <a:off x="8907383" y="2386013"/>
+                  <a:ext cx="253219" cy="1200542"/>
+                </a:xfrm>
+                <a:prstGeom prst="rect">
+                  <a:avLst/>
+                </a:prstGeom>
+                <a:solidFill>
+                  <a:srgbClr val="00B0F0">
+                    <a:alpha val="80000"/>
+                  </a:srgbClr>
+                </a:solidFill>
+                <a:ln w="38100">
+                  <a:solidFill>
+                    <a:schemeClr val="tx1"/>
+                  </a:solidFill>
+                </a:ln>
+              </p:spPr>
+              <p:style>
+                <a:lnRef idx="2">
+                  <a:schemeClr val="accent1">
+                    <a:shade val="50000"/>
+                  </a:schemeClr>
+                </a:lnRef>
+                <a:fillRef idx="1">
+                  <a:schemeClr val="accent1"/>
+                </a:fillRef>
+                <a:effectRef idx="0">
+                  <a:schemeClr val="accent1"/>
+                </a:effectRef>
+                <a:fontRef idx="minor">
+                  <a:schemeClr val="lt1"/>
+                </a:fontRef>
+              </p:style>
+              <p:txBody>
+                <a:bodyPr rtlCol="0" anchor="ctr"/>
+                <a:lstStyle/>
+                <a:p>
+                  <a:pPr algn="ctr"/>
+                  <a:endParaRPr lang="en-US"/>
+                </a:p>
+              </p:txBody>
+            </p:sp>
+            <p:sp>
+              <p:nvSpPr>
+                <p:cNvPr id="27" name="Rectangle 26">
+                  <a:extLst>
+                    <a:ext uri="{FF2B5EF4-FFF2-40B4-BE49-F238E27FC236}">
+                      <a16:creationId xmlns:a16="http://schemas.microsoft.com/office/drawing/2014/main" id="{98E8EFEB-1FE8-F147-8BA2-C9A5022B4F79}"/>
+                    </a:ext>
+                  </a:extLst>
+                </p:cNvPr>
+                <p:cNvSpPr/>
+                <p:nvPr/>
+              </p:nvSpPr>
+              <p:spPr>
+                <a:xfrm>
+                  <a:off x="9154815" y="2680759"/>
+                  <a:ext cx="228600" cy="905493"/>
+                </a:xfrm>
+                <a:prstGeom prst="rect">
+                  <a:avLst/>
+                </a:prstGeom>
+                <a:solidFill>
+                  <a:srgbClr val="7030A0">
+                    <a:alpha val="70000"/>
+                  </a:srgbClr>
+                </a:solidFill>
+                <a:ln w="38100">
+                  <a:solidFill>
+                    <a:schemeClr val="tx1"/>
+                  </a:solidFill>
+                </a:ln>
+              </p:spPr>
+              <p:style>
+                <a:lnRef idx="2">
+                  <a:schemeClr val="accent1">
+                    <a:shade val="50000"/>
+                  </a:schemeClr>
+                </a:lnRef>
+                <a:fillRef idx="1">
+                  <a:schemeClr val="accent1"/>
+                </a:fillRef>
+                <a:effectRef idx="0">
+                  <a:schemeClr val="accent1"/>
+                </a:effectRef>
+                <a:fontRef idx="minor">
+                  <a:schemeClr val="lt1"/>
+                </a:fontRef>
+              </p:style>
+              <p:txBody>
+                <a:bodyPr rtlCol="0" anchor="ctr"/>
+                <a:lstStyle/>
+                <a:p>
+                  <a:pPr algn="ctr"/>
+                  <a:endParaRPr lang="en-US"/>
+                </a:p>
+              </p:txBody>
+            </p:sp>
+            <p:sp>
+              <p:nvSpPr>
+                <p:cNvPr id="28" name="Rectangle 27">
+                  <a:extLst>
+                    <a:ext uri="{FF2B5EF4-FFF2-40B4-BE49-F238E27FC236}">
+                      <a16:creationId xmlns:a16="http://schemas.microsoft.com/office/drawing/2014/main" id="{52ECD9B6-CB0D-D846-AF4C-415FCCEE8B6A}"/>
+                    </a:ext>
+                  </a:extLst>
+                </p:cNvPr>
+                <p:cNvSpPr/>
+                <p:nvPr/>
+              </p:nvSpPr>
+              <p:spPr>
+                <a:xfrm>
+                  <a:off x="9378486" y="2149172"/>
+                  <a:ext cx="228600" cy="1431669"/>
+                </a:xfrm>
+                <a:prstGeom prst="rect">
+                  <a:avLst/>
+                </a:prstGeom>
+                <a:solidFill>
+                  <a:schemeClr val="accent2">
+                    <a:lumMod val="75000"/>
+                    <a:alpha val="50000"/>
+                  </a:schemeClr>
+                </a:solidFill>
+                <a:ln w="38100">
+                  <a:solidFill>
+                    <a:schemeClr val="tx1"/>
+                  </a:solidFill>
+                </a:ln>
+              </p:spPr>
+              <p:style>
+                <a:lnRef idx="2">
+                  <a:schemeClr val="accent1">
+                    <a:shade val="50000"/>
+                  </a:schemeClr>
+                </a:lnRef>
+                <a:fillRef idx="1">
+                  <a:schemeClr val="accent1"/>
+                </a:fillRef>
+                <a:effectRef idx="0">
+                  <a:schemeClr val="accent1"/>
+                </a:effectRef>
+                <a:fontRef idx="minor">
+                  <a:schemeClr val="lt1"/>
+                </a:fontRef>
+              </p:style>
+              <p:txBody>
+                <a:bodyPr rtlCol="0" anchor="ctr"/>
+                <a:lstStyle/>
+                <a:p>
+                  <a:pPr algn="ctr"/>
+                  <a:endParaRPr lang="en-US"/>
+                </a:p>
+              </p:txBody>
+            </p:sp>
+          </p:grpSp>
+          <p:grpSp>
+            <p:nvGrpSpPr>
+              <p:cNvPr id="57" name="Group 56">
+                <a:extLst>
+                  <a:ext uri="{FF2B5EF4-FFF2-40B4-BE49-F238E27FC236}">
+                    <a16:creationId xmlns:a16="http://schemas.microsoft.com/office/drawing/2014/main" id="{36D09A7B-0D04-064C-A81D-BC2733962A32}"/>
+                  </a:ext>
+                </a:extLst>
+              </p:cNvPr>
+              <p:cNvGrpSpPr/>
+              <p:nvPr/>
+            </p:nvGrpSpPr>
+            <p:grpSpPr>
+              <a:xfrm>
+                <a:off x="1994174" y="1529566"/>
+                <a:ext cx="808978" cy="207575"/>
+                <a:chOff x="2369381" y="2264158"/>
+                <a:chExt cx="808978" cy="207575"/>
+              </a:xfrm>
+            </p:grpSpPr>
+            <p:cxnSp>
+              <p:nvCxnSpPr>
+                <p:cNvPr id="52" name="Straight Connector 51">
+                  <a:extLst>
+                    <a:ext uri="{FF2B5EF4-FFF2-40B4-BE49-F238E27FC236}">
+                      <a16:creationId xmlns:a16="http://schemas.microsoft.com/office/drawing/2014/main" id="{0728DEEA-947D-D940-B620-2CAD2F548178}"/>
+                    </a:ext>
+                  </a:extLst>
+                </p:cNvPr>
+                <p:cNvCxnSpPr>
+                  <a:cxnSpLocks/>
+                </p:cNvCxnSpPr>
+                <p:nvPr/>
+              </p:nvCxnSpPr>
+              <p:spPr>
+                <a:xfrm flipV="1">
+                  <a:off x="2369381" y="2264158"/>
+                  <a:ext cx="679136" cy="2528"/>
+                </a:xfrm>
+                <a:prstGeom prst="line">
+                  <a:avLst/>
+                </a:prstGeom>
+                <a:ln w="63500">
+                  <a:solidFill>
+                    <a:schemeClr val="tx1"/>
+                  </a:solidFill>
+                </a:ln>
+              </p:spPr>
+              <p:style>
+                <a:lnRef idx="1">
+                  <a:schemeClr val="accent1"/>
+                </a:lnRef>
+                <a:fillRef idx="0">
+                  <a:schemeClr val="accent1"/>
+                </a:fillRef>
+                <a:effectRef idx="0">
+                  <a:schemeClr val="accent1"/>
+                </a:effectRef>
+                <a:fontRef idx="minor">
+                  <a:schemeClr val="tx1"/>
+                </a:fontRef>
+              </p:style>
+            </p:cxnSp>
+            <p:cxnSp>
+              <p:nvCxnSpPr>
+                <p:cNvPr id="62" name="Straight Connector 61">
+                  <a:extLst>
+                    <a:ext uri="{FF2B5EF4-FFF2-40B4-BE49-F238E27FC236}">
+                      <a16:creationId xmlns:a16="http://schemas.microsoft.com/office/drawing/2014/main" id="{DBFC5221-4EB5-334D-A8B9-4CD9EEF01069}"/>
+                    </a:ext>
+                  </a:extLst>
+                </p:cNvPr>
+                <p:cNvCxnSpPr>
+                  <a:cxnSpLocks/>
+                </p:cNvCxnSpPr>
+                <p:nvPr/>
+              </p:nvCxnSpPr>
+              <p:spPr>
+                <a:xfrm>
+                  <a:off x="3028963" y="2266686"/>
+                  <a:ext cx="149396" cy="205047"/>
+                </a:xfrm>
+                <a:prstGeom prst="line">
+                  <a:avLst/>
+                </a:prstGeom>
+                <a:ln w="63500">
+                  <a:solidFill>
+                    <a:schemeClr val="tx1"/>
+                  </a:solidFill>
+                </a:ln>
+              </p:spPr>
+              <p:style>
+                <a:lnRef idx="1">
+                  <a:schemeClr val="accent1"/>
+                </a:lnRef>
+                <a:fillRef idx="0">
+                  <a:schemeClr val="accent1"/>
+                </a:fillRef>
+                <a:effectRef idx="0">
+                  <a:schemeClr val="accent1"/>
+                </a:effectRef>
+                <a:fontRef idx="minor">
+                  <a:schemeClr val="tx1"/>
+                </a:fontRef>
+              </p:style>
+            </p:cxnSp>
+          </p:grpSp>
+          <p:pic>
+            <p:nvPicPr>
+              <p:cNvPr id="75" name="Picture 2" descr="Big data - Free technology icons">
+                <a:extLst>
+                  <a:ext uri="{FF2B5EF4-FFF2-40B4-BE49-F238E27FC236}">
+                    <a16:creationId xmlns:a16="http://schemas.microsoft.com/office/drawing/2014/main" id="{C16115F2-6F9D-AE46-90BC-BBB86DBECF7D}"/>
+                  </a:ext>
+                </a:extLst>
+              </p:cNvPr>
+              <p:cNvPicPr>
+                <a:picLocks noChangeAspect="1" noChangeArrowheads="1"/>
+              </p:cNvPicPr>
+              <p:nvPr/>
+            </p:nvPicPr>
+            <p:blipFill rotWithShape="1">
+              <a:blip r:embed="rId2">
+                <a:extLst>
+                  <a:ext uri="{28A0092B-C50C-407E-A947-70E740481C1C}">
+                    <a14:useLocalDpi xmlns:a14="http://schemas.microsoft.com/office/drawing/2010/main" val="0"/>
+                  </a:ext>
+                </a:extLst>
+              </a:blip>
+              <a:srcRect l="58536" t="-695" r="-232" b="59203"/>
+              <a:stretch/>
+            </p:blipFill>
+            <p:spPr bwMode="auto">
+              <a:xfrm>
+                <a:off x="4404940" y="2177341"/>
+                <a:ext cx="689750" cy="686363"/>
               </a:xfrm>
               <a:prstGeom prst="rect">
                 <a:avLst/>
               </a:prstGeom>
-              <a:solidFill>
-                <a:srgbClr val="7030A0">
-                  <a:alpha val="70000"/>
-                </a:srgbClr>
-              </a:solidFill>
-              <a:ln w="38100">
-                <a:solidFill>
-                  <a:schemeClr val="tx1"/>
-                </a:solidFill>
-              </a:ln>
+              <a:noFill/>
+              <a:extLst>
+                <a:ext uri="{909E8E84-426E-40DD-AFC4-6F175D3DCCD1}">
+                  <a14:hiddenFill xmlns:a14="http://schemas.microsoft.com/office/drawing/2010/main">
+                    <a:solidFill>
+                      <a:srgbClr val="FFFFFF"/>
+                    </a:solidFill>
+                  </a14:hiddenFill>
+                </a:ext>
+              </a:extLst>
             </p:spPr>
-            <p:style>
-              <a:lnRef idx="2">
-                <a:schemeClr val="accent1">
-                  <a:shade val="50000"/>
-                </a:schemeClr>
-              </a:lnRef>
-              <a:fillRef idx="1">
-                <a:schemeClr val="accent1"/>
-              </a:fillRef>
-              <a:effectRef idx="0">
-                <a:schemeClr val="accent1"/>
-              </a:effectRef>
-              <a:fontRef idx="minor">
-                <a:schemeClr val="lt1"/>
-              </a:fontRef>
-            </p:style>
-            <p:txBody>
-              <a:bodyPr rtlCol="0" anchor="ctr"/>
-              <a:lstStyle/>
-              <a:p>
-                <a:pPr algn="ctr"/>
-                <a:endParaRPr lang="en-US"/>
-              </a:p>
-            </p:txBody>
-          </p:sp>
-          <p:sp>
-            <p:nvSpPr>
-              <p:cNvPr id="28" name="Rectangle 27">
+          </p:pic>
+          <p:cxnSp>
+            <p:nvCxnSpPr>
+              <p:cNvPr id="76" name="Straight Connector 75">
                 <a:extLst>
                   <a:ext uri="{FF2B5EF4-FFF2-40B4-BE49-F238E27FC236}">
-                    <a16:creationId xmlns:a16="http://schemas.microsoft.com/office/drawing/2014/main" id="{52ECD9B6-CB0D-D846-AF4C-415FCCEE8B6A}"/>
-                  </a:ext>
-                </a:extLst>
-              </p:cNvPr>
-              <p:cNvSpPr/>
-              <p:nvPr/>
-            </p:nvSpPr>
-            <p:spPr>
-              <a:xfrm>
-                <a:off x="9378486" y="2149172"/>
-                <a:ext cx="228600" cy="1431669"/>
-              </a:xfrm>
-              <a:prstGeom prst="rect">
-                <a:avLst/>
-              </a:prstGeom>
-              <a:solidFill>
-                <a:schemeClr val="accent2">
-                  <a:lumMod val="75000"/>
-                  <a:alpha val="50000"/>
-                </a:schemeClr>
-              </a:solidFill>
-              <a:ln w="38100">
-                <a:solidFill>
-                  <a:schemeClr val="tx1"/>
-                </a:solidFill>
-              </a:ln>
-            </p:spPr>
-            <p:style>
-              <a:lnRef idx="2">
-                <a:schemeClr val="accent1">
-                  <a:shade val="50000"/>
-                </a:schemeClr>
-              </a:lnRef>
-              <a:fillRef idx="1">
-                <a:schemeClr val="accent1"/>
-              </a:fillRef>
-              <a:effectRef idx="0">
-                <a:schemeClr val="accent1"/>
-              </a:effectRef>
-              <a:fontRef idx="minor">
-                <a:schemeClr val="lt1"/>
-              </a:fontRef>
-            </p:style>
-            <p:txBody>
-              <a:bodyPr rtlCol="0" anchor="ctr"/>
-              <a:lstStyle/>
-              <a:p>
-                <a:pPr algn="ctr"/>
-                <a:endParaRPr lang="en-US"/>
-              </a:p>
-            </p:txBody>
-          </p:sp>
-        </p:grpSp>
-        <p:grpSp>
-          <p:nvGrpSpPr>
-            <p:cNvPr id="57" name="Group 56">
-              <a:extLst>
-                <a:ext uri="{FF2B5EF4-FFF2-40B4-BE49-F238E27FC236}">
-                  <a16:creationId xmlns:a16="http://schemas.microsoft.com/office/drawing/2014/main" id="{36D09A7B-0D04-064C-A81D-BC2733962A32}"/>
-                </a:ext>
-              </a:extLst>
-            </p:cNvPr>
-            <p:cNvGrpSpPr/>
-            <p:nvPr/>
-          </p:nvGrpSpPr>
-          <p:grpSpPr>
-            <a:xfrm>
-              <a:off x="1994174" y="1529566"/>
-              <a:ext cx="808978" cy="207575"/>
-              <a:chOff x="2369381" y="2264158"/>
-              <a:chExt cx="808978" cy="207575"/>
-            </a:xfrm>
-          </p:grpSpPr>
-          <p:cxnSp>
-            <p:nvCxnSpPr>
-              <p:cNvPr id="52" name="Straight Connector 51">
-                <a:extLst>
-                  <a:ext uri="{FF2B5EF4-FFF2-40B4-BE49-F238E27FC236}">
-                    <a16:creationId xmlns:a16="http://schemas.microsoft.com/office/drawing/2014/main" id="{0728DEEA-947D-D940-B620-2CAD2F548178}"/>
+                    <a16:creationId xmlns:a16="http://schemas.microsoft.com/office/drawing/2014/main" id="{15707D65-5A83-A048-B161-056C707AD6C9}"/>
                   </a:ext>
                 </a:extLst>
               </p:cNvPr>
@@ -4901,9 +5105,9 @@
               <p:nvPr/>
             </p:nvCxnSpPr>
             <p:spPr>
-              <a:xfrm flipV="1">
-                <a:off x="2369381" y="2264158"/>
-                <a:ext cx="679136" cy="2528"/>
+              <a:xfrm>
+                <a:off x="3919326" y="2892280"/>
+                <a:ext cx="568487" cy="0"/>
               </a:xfrm>
               <a:prstGeom prst="line">
                 <a:avLst/>
@@ -4929,317 +5133,304 @@
               </a:fontRef>
             </p:style>
           </p:cxnSp>
-          <p:cxnSp>
-            <p:nvCxnSpPr>
-              <p:cNvPr id="62" name="Straight Connector 61">
+          <p:grpSp>
+            <p:nvGrpSpPr>
+              <p:cNvPr id="34" name="Group 33">
                 <a:extLst>
                   <a:ext uri="{FF2B5EF4-FFF2-40B4-BE49-F238E27FC236}">
-                    <a16:creationId xmlns:a16="http://schemas.microsoft.com/office/drawing/2014/main" id="{DBFC5221-4EB5-334D-A8B9-4CD9EEF01069}"/>
+                    <a16:creationId xmlns:a16="http://schemas.microsoft.com/office/drawing/2014/main" id="{9E10B312-43BA-274B-A2EB-5AB298ACBC63}"/>
                   </a:ext>
                 </a:extLst>
               </p:cNvPr>
-              <p:cNvCxnSpPr>
-                <a:cxnSpLocks/>
-              </p:cNvCxnSpPr>
+              <p:cNvGrpSpPr/>
               <p:nvPr/>
-            </p:nvCxnSpPr>
-            <p:spPr>
+            </p:nvGrpSpPr>
+            <p:grpSpPr>
               <a:xfrm>
-                <a:off x="3028963" y="2266686"/>
-                <a:ext cx="149396" cy="205047"/>
+                <a:off x="524187" y="1916366"/>
+                <a:ext cx="1365171" cy="2409256"/>
+                <a:chOff x="143152" y="3605855"/>
+                <a:chExt cx="1365171" cy="2409256"/>
               </a:xfrm>
-              <a:prstGeom prst="line">
-                <a:avLst/>
-              </a:prstGeom>
-              <a:ln w="63500">
+            </p:grpSpPr>
+            <p:sp>
+              <p:nvSpPr>
+                <p:cNvPr id="2" name="Rounded Rectangle 1">
+                  <a:extLst>
+                    <a:ext uri="{FF2B5EF4-FFF2-40B4-BE49-F238E27FC236}">
+                      <a16:creationId xmlns:a16="http://schemas.microsoft.com/office/drawing/2014/main" id="{0920521E-D3E2-FC43-8DB7-4FD43936618A}"/>
+                    </a:ext>
+                  </a:extLst>
+                </p:cNvPr>
+                <p:cNvSpPr/>
+                <p:nvPr/>
+              </p:nvSpPr>
+              <p:spPr>
+                <a:xfrm>
+                  <a:off x="143152" y="3605855"/>
+                  <a:ext cx="1365171" cy="2409256"/>
+                </a:xfrm>
+                <a:prstGeom prst="roundRect">
+                  <a:avLst/>
+                </a:prstGeom>
                 <a:solidFill>
+                  <a:schemeClr val="bg1">
+                    <a:lumMod val="95000"/>
+                  </a:schemeClr>
+                </a:solidFill>
+                <a:ln w="63500">
+                  <a:solidFill>
+                    <a:schemeClr val="tx1"/>
+                  </a:solidFill>
+                </a:ln>
+              </p:spPr>
+              <p:style>
+                <a:lnRef idx="2">
+                  <a:schemeClr val="accent1">
+                    <a:shade val="50000"/>
+                  </a:schemeClr>
+                </a:lnRef>
+                <a:fillRef idx="1">
+                  <a:schemeClr val="accent1"/>
+                </a:fillRef>
+                <a:effectRef idx="0">
+                  <a:schemeClr val="accent1"/>
+                </a:effectRef>
+                <a:fontRef idx="minor">
+                  <a:schemeClr val="lt1"/>
+                </a:fontRef>
+              </p:style>
+              <p:txBody>
+                <a:bodyPr rtlCol="0" anchor="ctr"/>
+                <a:lstStyle/>
+                <a:p>
+                  <a:pPr algn="ctr"/>
+                  <a:endParaRPr lang="en-US"/>
+                </a:p>
+              </p:txBody>
+            </p:sp>
+            <p:sp>
+              <p:nvSpPr>
+                <p:cNvPr id="17" name="Rectangle 16">
+                  <a:extLst>
+                    <a:ext uri="{FF2B5EF4-FFF2-40B4-BE49-F238E27FC236}">
+                      <a16:creationId xmlns:a16="http://schemas.microsoft.com/office/drawing/2014/main" id="{62D660E3-B8D6-884C-A42F-8A1F2A3723F4}"/>
+                    </a:ext>
+                  </a:extLst>
+                </p:cNvPr>
+                <p:cNvSpPr/>
+                <p:nvPr/>
+              </p:nvSpPr>
+              <p:spPr>
+                <a:xfrm>
+                  <a:off x="143152" y="4012002"/>
+                  <a:ext cx="1363559" cy="1486273"/>
+                </a:xfrm>
+                <a:prstGeom prst="rect">
+                  <a:avLst/>
+                </a:prstGeom>
+                <a:ln w="57150">
+                  <a:solidFill>
+                    <a:schemeClr val="tx1"/>
+                  </a:solidFill>
+                </a:ln>
+              </p:spPr>
+              <p:style>
+                <a:lnRef idx="2">
+                  <a:schemeClr val="accent1">
+                    <a:shade val="50000"/>
+                  </a:schemeClr>
+                </a:lnRef>
+                <a:fillRef idx="1">
+                  <a:schemeClr val="accent1"/>
+                </a:fillRef>
+                <a:effectRef idx="0">
+                  <a:schemeClr val="accent1"/>
+                </a:effectRef>
+                <a:fontRef idx="minor">
+                  <a:schemeClr val="lt1"/>
+                </a:fontRef>
+              </p:style>
+              <p:txBody>
+                <a:bodyPr rtlCol="0" anchor="ctr"/>
+                <a:lstStyle/>
+                <a:p>
+                  <a:pPr algn="ctr"/>
+                  <a:endParaRPr lang="en-US"/>
+                </a:p>
+              </p:txBody>
+            </p:sp>
+            <p:sp>
+              <p:nvSpPr>
+                <p:cNvPr id="19" name="Oval 18">
+                  <a:extLst>
+                    <a:ext uri="{FF2B5EF4-FFF2-40B4-BE49-F238E27FC236}">
+                      <a16:creationId xmlns:a16="http://schemas.microsoft.com/office/drawing/2014/main" id="{A7D809AA-8E95-4C4E-8B12-FCF1394F9FB5}"/>
+                    </a:ext>
+                  </a:extLst>
+                </p:cNvPr>
+                <p:cNvSpPr/>
+                <p:nvPr/>
+              </p:nvSpPr>
+              <p:spPr>
+                <a:xfrm>
+                  <a:off x="670551" y="5643165"/>
+                  <a:ext cx="308759" cy="261257"/>
+                </a:xfrm>
+                <a:prstGeom prst="ellipse">
+                  <a:avLst/>
+                </a:prstGeom>
+              </p:spPr>
+              <p:style>
+                <a:lnRef idx="2">
+                  <a:schemeClr val="dk1">
+                    <a:shade val="50000"/>
+                  </a:schemeClr>
+                </a:lnRef>
+                <a:fillRef idx="1">
+                  <a:schemeClr val="dk1"/>
+                </a:fillRef>
+                <a:effectRef idx="0">
+                  <a:schemeClr val="dk1"/>
+                </a:effectRef>
+                <a:fontRef idx="minor">
+                  <a:schemeClr val="lt1"/>
+                </a:fontRef>
+              </p:style>
+              <p:txBody>
+                <a:bodyPr rtlCol="0" anchor="ctr"/>
+                <a:lstStyle/>
+                <a:p>
+                  <a:pPr algn="ctr"/>
+                  <a:endParaRPr lang="en-US"/>
+                </a:p>
+              </p:txBody>
+            </p:sp>
+            <p:pic>
+              <p:nvPicPr>
+                <p:cNvPr id="43" name="Picture 6" descr="Big data - Free business icons">
+                  <a:extLst>
+                    <a:ext uri="{FF2B5EF4-FFF2-40B4-BE49-F238E27FC236}">
+                      <a16:creationId xmlns:a16="http://schemas.microsoft.com/office/drawing/2014/main" id="{12CEC330-1686-8343-B026-2194C516EF06}"/>
+                    </a:ext>
+                  </a:extLst>
+                </p:cNvPr>
+                <p:cNvPicPr>
+                  <a:picLocks noChangeAspect="1" noChangeArrowheads="1"/>
+                </p:cNvPicPr>
+                <p:nvPr/>
+              </p:nvPicPr>
+              <p:blipFill rotWithShape="1">
+                <a:blip r:embed="rId3">
+                  <a:extLst>
+                    <a:ext uri="{28A0092B-C50C-407E-A947-70E740481C1C}">
+                      <a14:useLocalDpi xmlns:a14="http://schemas.microsoft.com/office/drawing/2010/main" val="0"/>
+                    </a:ext>
+                  </a:extLst>
+                </a:blip>
+                <a:srcRect l="1246" t="43959" r="68662" b="18644"/>
+                <a:stretch/>
+              </p:blipFill>
+              <p:spPr bwMode="auto">
+                <a:xfrm>
+                  <a:off x="144171" y="3997645"/>
+                  <a:ext cx="1362540" cy="1493428"/>
+                </a:xfrm>
+                <a:prstGeom prst="rect">
+                  <a:avLst/>
+                </a:prstGeom>
+                <a:noFill/>
+                <a:extLst>
+                  <a:ext uri="{909E8E84-426E-40DD-AFC4-6F175D3DCCD1}">
+                    <a14:hiddenFill xmlns:a14="http://schemas.microsoft.com/office/drawing/2010/main">
+                      <a:solidFill>
+                        <a:srgbClr val="FFFFFF"/>
+                      </a:solidFill>
+                    </a14:hiddenFill>
+                  </a:ext>
+                </a:extLst>
+              </p:spPr>
+            </p:pic>
+            <p:cxnSp>
+              <p:nvCxnSpPr>
+                <p:cNvPr id="29" name="Straight Connector 28">
+                  <a:extLst>
+                    <a:ext uri="{FF2B5EF4-FFF2-40B4-BE49-F238E27FC236}">
+                      <a16:creationId xmlns:a16="http://schemas.microsoft.com/office/drawing/2014/main" id="{CE7E4202-0022-3745-8B52-6EB8F4AFD8FA}"/>
+                    </a:ext>
+                  </a:extLst>
+                </p:cNvPr>
+                <p:cNvCxnSpPr>
+                  <a:cxnSpLocks/>
+                </p:cNvCxnSpPr>
+                <p:nvPr/>
+              </p:nvCxnSpPr>
+              <p:spPr>
+                <a:xfrm>
+                  <a:off x="1474864" y="4041464"/>
+                  <a:ext cx="0" cy="1471169"/>
+                </a:xfrm>
+                <a:prstGeom prst="line">
+                  <a:avLst/>
+                </a:prstGeom>
+                <a:ln w="95250">
+                  <a:solidFill>
+                    <a:schemeClr val="tx1"/>
+                  </a:solidFill>
+                </a:ln>
+              </p:spPr>
+              <p:style>
+                <a:lnRef idx="1">
+                  <a:schemeClr val="accent1"/>
+                </a:lnRef>
+                <a:fillRef idx="0">
+                  <a:schemeClr val="accent1"/>
+                </a:fillRef>
+                <a:effectRef idx="0">
+                  <a:schemeClr val="accent1"/>
+                </a:effectRef>
+                <a:fontRef idx="minor">
                   <a:schemeClr val="tx1"/>
-                </a:solidFill>
-              </a:ln>
-            </p:spPr>
-            <p:style>
-              <a:lnRef idx="1">
-                <a:schemeClr val="accent1"/>
-              </a:lnRef>
-              <a:fillRef idx="0">
-                <a:schemeClr val="accent1"/>
-              </a:fillRef>
-              <a:effectRef idx="0">
-                <a:schemeClr val="accent1"/>
-              </a:effectRef>
-              <a:fontRef idx="minor">
-                <a:schemeClr val="tx1"/>
-              </a:fontRef>
-            </p:style>
-          </p:cxnSp>
-        </p:grpSp>
-        <p:pic>
-          <p:nvPicPr>
-            <p:cNvPr id="75" name="Picture 2" descr="Big data - Free technology icons">
-              <a:extLst>
-                <a:ext uri="{FF2B5EF4-FFF2-40B4-BE49-F238E27FC236}">
-                  <a16:creationId xmlns:a16="http://schemas.microsoft.com/office/drawing/2014/main" id="{C16115F2-6F9D-AE46-90BC-BBB86DBECF7D}"/>
-                </a:ext>
-              </a:extLst>
-            </p:cNvPr>
-            <p:cNvPicPr>
-              <a:picLocks noChangeAspect="1" noChangeArrowheads="1"/>
-            </p:cNvPicPr>
-            <p:nvPr/>
-          </p:nvPicPr>
-          <p:blipFill rotWithShape="1">
-            <a:blip r:embed="rId2">
-              <a:extLst>
-                <a:ext uri="{28A0092B-C50C-407E-A947-70E740481C1C}">
-                  <a14:useLocalDpi xmlns:a14="http://schemas.microsoft.com/office/drawing/2010/main" val="0"/>
-                </a:ext>
-              </a:extLst>
-            </a:blip>
-            <a:srcRect l="58536" t="-695" r="-232" b="59203"/>
-            <a:stretch/>
-          </p:blipFill>
-          <p:spPr bwMode="auto">
-            <a:xfrm>
-              <a:off x="4404940" y="2177341"/>
-              <a:ext cx="689750" cy="686363"/>
-            </a:xfrm>
-            <a:prstGeom prst="rect">
-              <a:avLst/>
-            </a:prstGeom>
-            <a:noFill/>
-            <a:extLst>
-              <a:ext uri="{909E8E84-426E-40DD-AFC4-6F175D3DCCD1}">
-                <a14:hiddenFill xmlns:a14="http://schemas.microsoft.com/office/drawing/2010/main">
-                  <a:solidFill>
-                    <a:srgbClr val="FFFFFF"/>
-                  </a:solidFill>
-                </a14:hiddenFill>
-              </a:ext>
-            </a:extLst>
-          </p:spPr>
-        </p:pic>
-        <p:cxnSp>
-          <p:nvCxnSpPr>
-            <p:cNvPr id="76" name="Straight Connector 75">
-              <a:extLst>
-                <a:ext uri="{FF2B5EF4-FFF2-40B4-BE49-F238E27FC236}">
-                  <a16:creationId xmlns:a16="http://schemas.microsoft.com/office/drawing/2014/main" id="{15707D65-5A83-A048-B161-056C707AD6C9}"/>
-                </a:ext>
-              </a:extLst>
-            </p:cNvPr>
-            <p:cNvCxnSpPr>
-              <a:cxnSpLocks/>
-            </p:cNvCxnSpPr>
-            <p:nvPr/>
-          </p:nvCxnSpPr>
-          <p:spPr>
-            <a:xfrm>
-              <a:off x="3919326" y="2892280"/>
-              <a:ext cx="568487" cy="0"/>
-            </a:xfrm>
-            <a:prstGeom prst="line">
-              <a:avLst/>
-            </a:prstGeom>
-            <a:ln w="63500">
-              <a:solidFill>
-                <a:schemeClr val="tx1"/>
-              </a:solidFill>
-            </a:ln>
-          </p:spPr>
-          <p:style>
-            <a:lnRef idx="1">
-              <a:schemeClr val="accent1"/>
-            </a:lnRef>
-            <a:fillRef idx="0">
-              <a:schemeClr val="accent1"/>
-            </a:fillRef>
-            <a:effectRef idx="0">
-              <a:schemeClr val="accent1"/>
-            </a:effectRef>
-            <a:fontRef idx="minor">
-              <a:schemeClr val="tx1"/>
-            </a:fontRef>
-          </p:style>
-        </p:cxnSp>
-        <p:grpSp>
-          <p:nvGrpSpPr>
-            <p:cNvPr id="34" name="Group 33">
-              <a:extLst>
-                <a:ext uri="{FF2B5EF4-FFF2-40B4-BE49-F238E27FC236}">
-                  <a16:creationId xmlns:a16="http://schemas.microsoft.com/office/drawing/2014/main" id="{9E10B312-43BA-274B-A2EB-5AB298ACBC63}"/>
-                </a:ext>
-              </a:extLst>
-            </p:cNvPr>
-            <p:cNvGrpSpPr/>
-            <p:nvPr/>
-          </p:nvGrpSpPr>
-          <p:grpSpPr>
-            <a:xfrm>
-              <a:off x="524187" y="1916366"/>
-              <a:ext cx="1365171" cy="2409256"/>
-              <a:chOff x="143152" y="3605855"/>
-              <a:chExt cx="1365171" cy="2409256"/>
-            </a:xfrm>
-          </p:grpSpPr>
-          <p:sp>
-            <p:nvSpPr>
-              <p:cNvPr id="2" name="Rounded Rectangle 1">
+                </a:fontRef>
+              </p:style>
+            </p:cxnSp>
+          </p:grpSp>
+          <p:pic>
+            <p:nvPicPr>
+              <p:cNvPr id="68" name="Picture 67">
                 <a:extLst>
                   <a:ext uri="{FF2B5EF4-FFF2-40B4-BE49-F238E27FC236}">
-                    <a16:creationId xmlns:a16="http://schemas.microsoft.com/office/drawing/2014/main" id="{0920521E-D3E2-FC43-8DB7-4FD43936618A}"/>
+                    <a16:creationId xmlns:a16="http://schemas.microsoft.com/office/drawing/2014/main" id="{625AA912-3A75-4840-A109-002E1E28A3EF}"/>
                   </a:ext>
                 </a:extLst>
               </p:cNvPr>
-              <p:cNvSpPr/>
+              <p:cNvPicPr>
+                <a:picLocks noChangeAspect="1"/>
+              </p:cNvPicPr>
               <p:nvPr/>
-            </p:nvSpPr>
+            </p:nvPicPr>
+            <p:blipFill>
+              <a:blip r:embed="rId4"/>
+              <a:stretch>
+                <a:fillRect/>
+              </a:stretch>
+            </p:blipFill>
             <p:spPr>
               <a:xfrm>
-                <a:off x="143152" y="3605855"/>
-                <a:ext cx="1365171" cy="2409256"/>
-              </a:xfrm>
-              <a:prstGeom prst="roundRect">
-                <a:avLst/>
-              </a:prstGeom>
-              <a:solidFill>
-                <a:schemeClr val="bg1">
-                  <a:lumMod val="95000"/>
-                </a:schemeClr>
-              </a:solidFill>
-              <a:ln w="63500">
-                <a:solidFill>
-                  <a:schemeClr val="tx1"/>
-                </a:solidFill>
-              </a:ln>
-            </p:spPr>
-            <p:style>
-              <a:lnRef idx="2">
-                <a:schemeClr val="accent1">
-                  <a:shade val="50000"/>
-                </a:schemeClr>
-              </a:lnRef>
-              <a:fillRef idx="1">
-                <a:schemeClr val="accent1"/>
-              </a:fillRef>
-              <a:effectRef idx="0">
-                <a:schemeClr val="accent1"/>
-              </a:effectRef>
-              <a:fontRef idx="minor">
-                <a:schemeClr val="lt1"/>
-              </a:fontRef>
-            </p:style>
-            <p:txBody>
-              <a:bodyPr rtlCol="0" anchor="ctr"/>
-              <a:lstStyle/>
-              <a:p>
-                <a:pPr algn="ctr"/>
-                <a:endParaRPr lang="en-US"/>
-              </a:p>
-            </p:txBody>
-          </p:sp>
-          <p:sp>
-            <p:nvSpPr>
-              <p:cNvPr id="17" name="Rectangle 16">
-                <a:extLst>
-                  <a:ext uri="{FF2B5EF4-FFF2-40B4-BE49-F238E27FC236}">
-                    <a16:creationId xmlns:a16="http://schemas.microsoft.com/office/drawing/2014/main" id="{62D660E3-B8D6-884C-A42F-8A1F2A3723F4}"/>
-                  </a:ext>
-                </a:extLst>
-              </p:cNvPr>
-              <p:cNvSpPr/>
-              <p:nvPr/>
-            </p:nvSpPr>
-            <p:spPr>
-              <a:xfrm>
-                <a:off x="143152" y="4012002"/>
-                <a:ext cx="1363559" cy="1486273"/>
+                <a:off x="949459" y="4470512"/>
+                <a:ext cx="4914900" cy="1028700"/>
               </a:xfrm>
               <a:prstGeom prst="rect">
                 <a:avLst/>
               </a:prstGeom>
-              <a:ln w="57150">
-                <a:solidFill>
-                  <a:schemeClr val="tx1"/>
-                </a:solidFill>
-              </a:ln>
             </p:spPr>
-            <p:style>
-              <a:lnRef idx="2">
-                <a:schemeClr val="accent1">
-                  <a:shade val="50000"/>
-                </a:schemeClr>
-              </a:lnRef>
-              <a:fillRef idx="1">
-                <a:schemeClr val="accent1"/>
-              </a:fillRef>
-              <a:effectRef idx="0">
-                <a:schemeClr val="accent1"/>
-              </a:effectRef>
-              <a:fontRef idx="minor">
-                <a:schemeClr val="lt1"/>
-              </a:fontRef>
-            </p:style>
-            <p:txBody>
-              <a:bodyPr rtlCol="0" anchor="ctr"/>
-              <a:lstStyle/>
-              <a:p>
-                <a:pPr algn="ctr"/>
-                <a:endParaRPr lang="en-US"/>
-              </a:p>
-            </p:txBody>
-          </p:sp>
-          <p:sp>
-            <p:nvSpPr>
-              <p:cNvPr id="19" name="Oval 18">
+          </p:pic>
+          <p:pic>
+            <p:nvPicPr>
+              <p:cNvPr id="2060" name="Picture 12" descr="Free Pie chart Icon, Symbol. PNG, SVG Download.">
                 <a:extLst>
                   <a:ext uri="{FF2B5EF4-FFF2-40B4-BE49-F238E27FC236}">
-                    <a16:creationId xmlns:a16="http://schemas.microsoft.com/office/drawing/2014/main" id="{A7D809AA-8E95-4C4E-8B12-FCF1394F9FB5}"/>
-                  </a:ext>
-                </a:extLst>
-              </p:cNvPr>
-              <p:cNvSpPr/>
-              <p:nvPr/>
-            </p:nvSpPr>
-            <p:spPr>
-              <a:xfrm>
-                <a:off x="670551" y="5643165"/>
-                <a:ext cx="308759" cy="261257"/>
-              </a:xfrm>
-              <a:prstGeom prst="ellipse">
-                <a:avLst/>
-              </a:prstGeom>
-            </p:spPr>
-            <p:style>
-              <a:lnRef idx="2">
-                <a:schemeClr val="dk1">
-                  <a:shade val="50000"/>
-                </a:schemeClr>
-              </a:lnRef>
-              <a:fillRef idx="1">
-                <a:schemeClr val="dk1"/>
-              </a:fillRef>
-              <a:effectRef idx="0">
-                <a:schemeClr val="dk1"/>
-              </a:effectRef>
-              <a:fontRef idx="minor">
-                <a:schemeClr val="lt1"/>
-              </a:fontRef>
-            </p:style>
-            <p:txBody>
-              <a:bodyPr rtlCol="0" anchor="ctr"/>
-              <a:lstStyle/>
-              <a:p>
-                <a:pPr algn="ctr"/>
-                <a:endParaRPr lang="en-US"/>
-              </a:p>
-            </p:txBody>
-          </p:sp>
-          <p:pic>
-            <p:nvPicPr>
-              <p:cNvPr id="43" name="Picture 6" descr="Big data - Free business icons">
-                <a:extLst>
-                  <a:ext uri="{FF2B5EF4-FFF2-40B4-BE49-F238E27FC236}">
-                    <a16:creationId xmlns:a16="http://schemas.microsoft.com/office/drawing/2014/main" id="{12CEC330-1686-8343-B026-2194C516EF06}"/>
+                    <a16:creationId xmlns:a16="http://schemas.microsoft.com/office/drawing/2014/main" id="{E2ECC8C4-B17F-784C-9C26-0799C867E562}"/>
                   </a:ext>
                 </a:extLst>
               </p:cNvPr>
@@ -5248,21 +5439,23 @@
               </p:cNvPicPr>
               <p:nvPr/>
             </p:nvPicPr>
-            <p:blipFill rotWithShape="1">
-              <a:blip r:embed="rId3">
+            <p:blipFill>
+              <a:blip r:embed="rId5">
                 <a:extLst>
                   <a:ext uri="{28A0092B-C50C-407E-A947-70E740481C1C}">
                     <a14:useLocalDpi xmlns:a14="http://schemas.microsoft.com/office/drawing/2010/main" val="0"/>
                   </a:ext>
                 </a:extLst>
               </a:blip>
-              <a:srcRect l="1246" t="43959" r="68662" b="18644"/>
-              <a:stretch/>
+              <a:srcRect/>
+              <a:stretch>
+                <a:fillRect/>
+              </a:stretch>
             </p:blipFill>
             <p:spPr bwMode="auto">
               <a:xfrm>
-                <a:off x="144171" y="3997645"/>
-                <a:ext cx="1362540" cy="1493428"/>
+                <a:off x="1639245" y="203016"/>
+                <a:ext cx="1342656" cy="1342656"/>
               </a:xfrm>
               <a:prstGeom prst="rect">
                 <a:avLst/>
@@ -5279,128 +5472,8 @@
               </a:extLst>
             </p:spPr>
           </p:pic>
-          <p:cxnSp>
-            <p:nvCxnSpPr>
-              <p:cNvPr id="29" name="Straight Connector 28">
-                <a:extLst>
-                  <a:ext uri="{FF2B5EF4-FFF2-40B4-BE49-F238E27FC236}">
-                    <a16:creationId xmlns:a16="http://schemas.microsoft.com/office/drawing/2014/main" id="{CE7E4202-0022-3745-8B52-6EB8F4AFD8FA}"/>
-                  </a:ext>
-                </a:extLst>
-              </p:cNvPr>
-              <p:cNvCxnSpPr>
-                <a:cxnSpLocks/>
-              </p:cNvCxnSpPr>
-              <p:nvPr/>
-            </p:nvCxnSpPr>
-            <p:spPr>
-              <a:xfrm>
-                <a:off x="1474864" y="4041464"/>
-                <a:ext cx="0" cy="1471169"/>
-              </a:xfrm>
-              <a:prstGeom prst="line">
-                <a:avLst/>
-              </a:prstGeom>
-              <a:ln w="95250">
-                <a:solidFill>
-                  <a:schemeClr val="tx1"/>
-                </a:solidFill>
-              </a:ln>
-            </p:spPr>
-            <p:style>
-              <a:lnRef idx="1">
-                <a:schemeClr val="accent1"/>
-              </a:lnRef>
-              <a:fillRef idx="0">
-                <a:schemeClr val="accent1"/>
-              </a:fillRef>
-              <a:effectRef idx="0">
-                <a:schemeClr val="accent1"/>
-              </a:effectRef>
-              <a:fontRef idx="minor">
-                <a:schemeClr val="tx1"/>
-              </a:fontRef>
-            </p:style>
-          </p:cxnSp>
         </p:grpSp>
-        <p:pic>
-          <p:nvPicPr>
-            <p:cNvPr id="68" name="Picture 67">
-              <a:extLst>
-                <a:ext uri="{FF2B5EF4-FFF2-40B4-BE49-F238E27FC236}">
-                  <a16:creationId xmlns:a16="http://schemas.microsoft.com/office/drawing/2014/main" id="{625AA912-3A75-4840-A109-002E1E28A3EF}"/>
-                </a:ext>
-              </a:extLst>
-            </p:cNvPr>
-            <p:cNvPicPr>
-              <a:picLocks noChangeAspect="1"/>
-            </p:cNvPicPr>
-            <p:nvPr/>
-          </p:nvPicPr>
-          <p:blipFill>
-            <a:blip r:embed="rId4"/>
-            <a:stretch>
-              <a:fillRect/>
-            </a:stretch>
-          </p:blipFill>
-          <p:spPr>
-            <a:xfrm>
-              <a:off x="949459" y="4470512"/>
-              <a:ext cx="4914900" cy="1028700"/>
-            </a:xfrm>
-            <a:prstGeom prst="rect">
-              <a:avLst/>
-            </a:prstGeom>
-          </p:spPr>
-        </p:pic>
       </p:grpSp>
-      <p:pic>
-        <p:nvPicPr>
-          <p:cNvPr id="2060" name="Picture 12" descr="Free Pie chart Icon, Symbol. PNG, SVG Download.">
-            <a:extLst>
-              <a:ext uri="{FF2B5EF4-FFF2-40B4-BE49-F238E27FC236}">
-                <a16:creationId xmlns:a16="http://schemas.microsoft.com/office/drawing/2014/main" id="{E2ECC8C4-B17F-784C-9C26-0799C867E562}"/>
-              </a:ext>
-            </a:extLst>
-          </p:cNvPr>
-          <p:cNvPicPr>
-            <a:picLocks noChangeAspect="1" noChangeArrowheads="1"/>
-          </p:cNvPicPr>
-          <p:nvPr/>
-        </p:nvPicPr>
-        <p:blipFill>
-          <a:blip r:embed="rId5">
-            <a:extLst>
-              <a:ext uri="{28A0092B-C50C-407E-A947-70E740481C1C}">
-                <a14:useLocalDpi xmlns:a14="http://schemas.microsoft.com/office/drawing/2010/main" val="0"/>
-              </a:ext>
-            </a:extLst>
-          </a:blip>
-          <a:srcRect/>
-          <a:stretch>
-            <a:fillRect/>
-          </a:stretch>
-        </p:blipFill>
-        <p:spPr bwMode="auto">
-          <a:xfrm>
-            <a:off x="1639245" y="203016"/>
-            <a:ext cx="1342656" cy="1342656"/>
-          </a:xfrm>
-          <a:prstGeom prst="rect">
-            <a:avLst/>
-          </a:prstGeom>
-          <a:noFill/>
-          <a:extLst>
-            <a:ext uri="{909E8E84-426E-40DD-AFC4-6F175D3DCCD1}">
-              <a14:hiddenFill xmlns:a14="http://schemas.microsoft.com/office/drawing/2010/main">
-                <a:solidFill>
-                  <a:srgbClr val="FFFFFF"/>
-                </a:solidFill>
-              </a14:hiddenFill>
-            </a:ext>
-          </a:extLst>
-        </p:spPr>
-      </p:pic>
     </p:spTree>
     <p:extLst>
       <p:ext uri="{BB962C8B-B14F-4D97-AF65-F5344CB8AC3E}">
